--- a/doc/resume.pptx
+++ b/doc/resume.pptx
@@ -109,7 +109,7 @@
   </p:defaultTextStyle>
   <p:extLst>
     <p:ext uri="{EFAFB233-063F-42B5-8137-9DF3F51BA10A}">
-      <p15:sldGuideLst xmlns="" xmlns:p15="http://schemas.microsoft.com/office/powerpoint/2012/main">
+      <p15:sldGuideLst xmlns:p15="http://schemas.microsoft.com/office/powerpoint/2012/main" xmlns="">
         <p15:guide id="1" orient="horz" pos="3120" userDrawn="1">
           <p15:clr>
             <a:srgbClr val="A4A3A4"/>
@@ -5472,12 +5472,12 @@
               <a:t>在线版简历：</a:t>
             </a:r>
             <a:r>
-              <a:rPr lang="en-US" altLang="zh-CN" sz="800" dirty="0">
+              <a:rPr lang="en-US" altLang="zh-CN" sz="800" dirty="0" smtClean="0">
                 <a:latin typeface="微软雅黑" panose="020B0503020204020204" pitchFamily="34" charset="-122"/>
                 <a:ea typeface="微软雅黑" panose="020B0503020204020204" pitchFamily="34" charset="-122"/>
                 <a:hlinkClick r:id="rId4"/>
               </a:rPr>
-              <a:t>https</a:t>
+              <a:t>http://</a:t>
             </a:r>
             <a:r>
               <a:rPr lang="en-US" altLang="zh-CN" sz="800" dirty="0" smtClean="0">
@@ -5485,7 +5485,7 @@
                 <a:ea typeface="微软雅黑" panose="020B0503020204020204" pitchFamily="34" charset="-122"/>
                 <a:hlinkClick r:id="rId4"/>
               </a:rPr>
-              <a:t>://loumingjie.cn/resume2/</a:t>
+              <a:t>loumingjie.cn/resume2/</a:t>
             </a:r>
             <a:endParaRPr lang="en-US" altLang="zh-CN" sz="800" dirty="0" smtClean="0">
               <a:latin typeface="微软雅黑" panose="020B0503020204020204" pitchFamily="34" charset="-122"/>
@@ -8147,7 +8147,7 @@
   <a:extraClrSchemeLst/>
   <a:extLst>
     <a:ext uri="{05A4C25C-085E-4340-85A3-A5531E510DB2}">
-      <thm15:themeFamily xmlns="" xmlns:thm15="http://schemas.microsoft.com/office/thememl/2012/main" name="Office Theme" id="{62F939B6-93AF-4DB8-9C6B-D6C7DFDC589F}" vid="{4A3C46E8-61CC-4603-A589-7422A47A8E4A}"/>
+      <thm15:themeFamily xmlns:thm15="http://schemas.microsoft.com/office/thememl/2012/main" xmlns="" name="Office Theme" id="{62F939B6-93AF-4DB8-9C6B-D6C7DFDC589F}" vid="{4A3C46E8-61CC-4603-A589-7422A47A8E4A}"/>
     </a:ext>
   </a:extLst>
 </a:theme>
@@ -8408,7 +8408,7 @@
   <a:extraClrSchemeLst/>
   <a:extLst>
     <a:ext uri="{05A4C25C-085E-4340-85A3-A5531E510DB2}">
-      <thm15:themeFamily xmlns="" xmlns:thm15="http://schemas.microsoft.com/office/thememl/2012/main" name="Office Theme" id="{62F939B6-93AF-4DB8-9C6B-D6C7DFDC589F}" vid="{4A3C46E8-61CC-4603-A589-7422A47A8E4A}"/>
+      <thm15:themeFamily xmlns:thm15="http://schemas.microsoft.com/office/thememl/2012/main" xmlns="" name="Office Theme" id="{62F939B6-93AF-4DB8-9C6B-D6C7DFDC589F}" vid="{4A3C46E8-61CC-4603-A589-7422A47A8E4A}"/>
     </a:ext>
   </a:extLst>
 </a:theme>

--- a/doc/resume.pptx
+++ b/doc/resume.pptx
@@ -109,7 +109,7 @@
   </p:defaultTextStyle>
   <p:extLst>
     <p:ext uri="{EFAFB233-063F-42B5-8137-9DF3F51BA10A}">
-      <p15:sldGuideLst xmlns:p15="http://schemas.microsoft.com/office/powerpoint/2012/main" xmlns="">
+      <p15:sldGuideLst xmlns="" xmlns:p15="http://schemas.microsoft.com/office/powerpoint/2012/main">
         <p15:guide id="1" orient="horz" pos="3120" userDrawn="1">
           <p15:clr>
             <a:srgbClr val="A4A3A4"/>
@@ -208,7 +208,7 @@
           <a:p>
             <a:fld id="{AEA2C9DF-D23B-4857-8F83-A94459C69053}" type="datetimeFigureOut">
               <a:rPr lang="zh-CN" altLang="en-US" smtClean="0"/>
-              <a:t>2017/7/12</a:t>
+              <a:t>2017/7/13</a:t>
             </a:fld>
             <a:endParaRPr lang="zh-CN" altLang="en-US"/>
           </a:p>
@@ -691,7 +691,7 @@
           <a:p>
             <a:fld id="{6A4926B6-441D-4BA1-AD68-6F10F35F7AC9}" type="datetimeFigureOut">
               <a:rPr lang="zh-CN" altLang="en-US" smtClean="0"/>
-              <a:t>2017/7/12</a:t>
+              <a:t>2017/7/13</a:t>
             </a:fld>
             <a:endParaRPr lang="zh-CN" altLang="en-US"/>
           </a:p>
@@ -861,7 +861,7 @@
           <a:p>
             <a:fld id="{6A4926B6-441D-4BA1-AD68-6F10F35F7AC9}" type="datetimeFigureOut">
               <a:rPr lang="zh-CN" altLang="en-US" smtClean="0"/>
-              <a:t>2017/7/12</a:t>
+              <a:t>2017/7/13</a:t>
             </a:fld>
             <a:endParaRPr lang="zh-CN" altLang="en-US"/>
           </a:p>
@@ -1041,7 +1041,7 @@
           <a:p>
             <a:fld id="{6A4926B6-441D-4BA1-AD68-6F10F35F7AC9}" type="datetimeFigureOut">
               <a:rPr lang="zh-CN" altLang="en-US" smtClean="0"/>
-              <a:t>2017/7/12</a:t>
+              <a:t>2017/7/13</a:t>
             </a:fld>
             <a:endParaRPr lang="zh-CN" altLang="en-US"/>
           </a:p>
@@ -1211,7 +1211,7 @@
           <a:p>
             <a:fld id="{6A4926B6-441D-4BA1-AD68-6F10F35F7AC9}" type="datetimeFigureOut">
               <a:rPr lang="zh-CN" altLang="en-US" smtClean="0"/>
-              <a:t>2017/7/12</a:t>
+              <a:t>2017/7/13</a:t>
             </a:fld>
             <a:endParaRPr lang="zh-CN" altLang="en-US"/>
           </a:p>
@@ -1455,7 +1455,7 @@
           <a:p>
             <a:fld id="{6A4926B6-441D-4BA1-AD68-6F10F35F7AC9}" type="datetimeFigureOut">
               <a:rPr lang="zh-CN" altLang="en-US" smtClean="0"/>
-              <a:t>2017/7/12</a:t>
+              <a:t>2017/7/13</a:t>
             </a:fld>
             <a:endParaRPr lang="zh-CN" altLang="en-US"/>
           </a:p>
@@ -1687,7 +1687,7 @@
           <a:p>
             <a:fld id="{6A4926B6-441D-4BA1-AD68-6F10F35F7AC9}" type="datetimeFigureOut">
               <a:rPr lang="zh-CN" altLang="en-US" smtClean="0"/>
-              <a:t>2017/7/12</a:t>
+              <a:t>2017/7/13</a:t>
             </a:fld>
             <a:endParaRPr lang="zh-CN" altLang="en-US"/>
           </a:p>
@@ -2054,7 +2054,7 @@
           <a:p>
             <a:fld id="{6A4926B6-441D-4BA1-AD68-6F10F35F7AC9}" type="datetimeFigureOut">
               <a:rPr lang="zh-CN" altLang="en-US" smtClean="0"/>
-              <a:t>2017/7/12</a:t>
+              <a:t>2017/7/13</a:t>
             </a:fld>
             <a:endParaRPr lang="zh-CN" altLang="en-US"/>
           </a:p>
@@ -2172,7 +2172,7 @@
           <a:p>
             <a:fld id="{6A4926B6-441D-4BA1-AD68-6F10F35F7AC9}" type="datetimeFigureOut">
               <a:rPr lang="zh-CN" altLang="en-US" smtClean="0"/>
-              <a:t>2017/7/12</a:t>
+              <a:t>2017/7/13</a:t>
             </a:fld>
             <a:endParaRPr lang="zh-CN" altLang="en-US"/>
           </a:p>
@@ -2267,7 +2267,7 @@
           <a:p>
             <a:fld id="{6A4926B6-441D-4BA1-AD68-6F10F35F7AC9}" type="datetimeFigureOut">
               <a:rPr lang="zh-CN" altLang="en-US" smtClean="0"/>
-              <a:t>2017/7/12</a:t>
+              <a:t>2017/7/13</a:t>
             </a:fld>
             <a:endParaRPr lang="zh-CN" altLang="en-US"/>
           </a:p>
@@ -2551,7 +2551,7 @@
           <a:p>
             <a:fld id="{6A4926B6-441D-4BA1-AD68-6F10F35F7AC9}" type="datetimeFigureOut">
               <a:rPr lang="zh-CN" altLang="en-US" smtClean="0"/>
-              <a:t>2017/7/12</a:t>
+              <a:t>2017/7/13</a:t>
             </a:fld>
             <a:endParaRPr lang="zh-CN" altLang="en-US"/>
           </a:p>
@@ -2808,7 +2808,7 @@
           <a:p>
             <a:fld id="{6A4926B6-441D-4BA1-AD68-6F10F35F7AC9}" type="datetimeFigureOut">
               <a:rPr lang="zh-CN" altLang="en-US" smtClean="0"/>
-              <a:t>2017/7/12</a:t>
+              <a:t>2017/7/13</a:t>
             </a:fld>
             <a:endParaRPr lang="zh-CN" altLang="en-US"/>
           </a:p>
@@ -3021,7 +3021,7 @@
           <a:p>
             <a:fld id="{6A4926B6-441D-4BA1-AD68-6F10F35F7AC9}" type="datetimeFigureOut">
               <a:rPr lang="zh-CN" altLang="en-US" smtClean="0"/>
-              <a:t>2017/7/12</a:t>
+              <a:t>2017/7/13</a:t>
             </a:fld>
             <a:endParaRPr lang="zh-CN" altLang="en-US"/>
           </a:p>
@@ -5477,15 +5477,7 @@
                 <a:ea typeface="微软雅黑" panose="020B0503020204020204" pitchFamily="34" charset="-122"/>
                 <a:hlinkClick r:id="rId4"/>
               </a:rPr>
-              <a:t>http://</a:t>
-            </a:r>
-            <a:r>
-              <a:rPr lang="en-US" altLang="zh-CN" sz="800" dirty="0" smtClean="0">
-                <a:latin typeface="微软雅黑" panose="020B0503020204020204" pitchFamily="34" charset="-122"/>
-                <a:ea typeface="微软雅黑" panose="020B0503020204020204" pitchFamily="34" charset="-122"/>
-                <a:hlinkClick r:id="rId4"/>
-              </a:rPr>
-              <a:t>loumingjie.cn/resume2/</a:t>
+              <a:t>http://loumingjie.cn/resume2/</a:t>
             </a:r>
             <a:endParaRPr lang="en-US" altLang="zh-CN" sz="800" dirty="0" smtClean="0">
               <a:latin typeface="微软雅黑" panose="020B0503020204020204" pitchFamily="34" charset="-122"/>
@@ -5964,15 +5956,23 @@
                 <a:t>:</a:t>
               </a:r>
               <a:r>
-                <a:rPr lang="en-US" altLang="zh-CN" sz="900" dirty="0">
+                <a:rPr lang="en-US" altLang="zh-CN" sz="900" dirty="0" smtClean="0">
                   <a:latin typeface="微软雅黑" panose="020B0503020204020204" pitchFamily="34" charset="-122"/>
                   <a:ea typeface="微软雅黑" panose="020B0503020204020204" pitchFamily="34" charset="-122"/>
                   <a:hlinkClick r:id="rId5"/>
                 </a:rPr>
-                <a:t>https://github.com/loudou140806/</a:t>
+                <a:t>http</a:t>
               </a:r>
               <a:r>
-                <a:rPr lang="en-US" altLang="zh-CN" sz="900" dirty="0" err="1">
+                <a:rPr lang="en-US" altLang="zh-CN" sz="900" dirty="0" smtClean="0">
+                  <a:latin typeface="微软雅黑" panose="020B0503020204020204" pitchFamily="34" charset="-122"/>
+                  <a:ea typeface="微软雅黑" panose="020B0503020204020204" pitchFamily="34" charset="-122"/>
+                  <a:hlinkClick r:id="rId5"/>
+                </a:rPr>
+                <a:t>://loumingjie.cn/</a:t>
+              </a:r>
+              <a:r>
+                <a:rPr lang="en-US" altLang="zh-CN" sz="900" dirty="0" err="1" smtClean="0">
                   <a:latin typeface="微软雅黑" panose="020B0503020204020204" pitchFamily="34" charset="-122"/>
                   <a:ea typeface="微软雅黑" panose="020B0503020204020204" pitchFamily="34" charset="-122"/>
                   <a:hlinkClick r:id="rId5"/>
@@ -8147,7 +8147,7 @@
   <a:extraClrSchemeLst/>
   <a:extLst>
     <a:ext uri="{05A4C25C-085E-4340-85A3-A5531E510DB2}">
-      <thm15:themeFamily xmlns:thm15="http://schemas.microsoft.com/office/thememl/2012/main" xmlns="" name="Office Theme" id="{62F939B6-93AF-4DB8-9C6B-D6C7DFDC589F}" vid="{4A3C46E8-61CC-4603-A589-7422A47A8E4A}"/>
+      <thm15:themeFamily xmlns="" xmlns:thm15="http://schemas.microsoft.com/office/thememl/2012/main" name="Office Theme" id="{62F939B6-93AF-4DB8-9C6B-D6C7DFDC589F}" vid="{4A3C46E8-61CC-4603-A589-7422A47A8E4A}"/>
     </a:ext>
   </a:extLst>
 </a:theme>
@@ -8408,7 +8408,7 @@
   <a:extraClrSchemeLst/>
   <a:extLst>
     <a:ext uri="{05A4C25C-085E-4340-85A3-A5531E510DB2}">
-      <thm15:themeFamily xmlns:thm15="http://schemas.microsoft.com/office/thememl/2012/main" xmlns="" name="Office Theme" id="{62F939B6-93AF-4DB8-9C6B-D6C7DFDC589F}" vid="{4A3C46E8-61CC-4603-A589-7422A47A8E4A}"/>
+      <thm15:themeFamily xmlns="" xmlns:thm15="http://schemas.microsoft.com/office/thememl/2012/main" name="Office Theme" id="{62F939B6-93AF-4DB8-9C6B-D6C7DFDC589F}" vid="{4A3C46E8-61CC-4603-A589-7422A47A8E4A}"/>
     </a:ext>
   </a:extLst>
 </a:theme>

--- a/doc/resume.pptx
+++ b/doc/resume.pptx
@@ -109,7 +109,7 @@
   </p:defaultTextStyle>
   <p:extLst>
     <p:ext uri="{EFAFB233-063F-42B5-8137-9DF3F51BA10A}">
-      <p15:sldGuideLst xmlns="" xmlns:p15="http://schemas.microsoft.com/office/powerpoint/2012/main">
+      <p15:sldGuideLst xmlns:p15="http://schemas.microsoft.com/office/powerpoint/2012/main" xmlns="">
         <p15:guide id="1" orient="horz" pos="3120" userDrawn="1">
           <p15:clr>
             <a:srgbClr val="A4A3A4"/>
@@ -3435,7 +3435,7 @@
         <p:spPr>
           <a:xfrm>
             <a:off x="1084931" y="1866115"/>
-            <a:ext cx="1625163" cy="1054135"/>
+            <a:ext cx="2063082" cy="1054135"/>
           </a:xfrm>
           <a:prstGeom prst="rect">
             <a:avLst/>
@@ -3497,7 +3497,32 @@
                 <a:latin typeface="微软雅黑" panose="020B0503020204020204" pitchFamily="34" charset="-122"/>
                 <a:ea typeface="微软雅黑" panose="020B0503020204020204" pitchFamily="34" charset="-122"/>
               </a:rPr>
-              <a:t>电子科学与技术  </a:t>
+              <a:t>电子科学与技</a:t>
+            </a:r>
+            <a:r>
+              <a:rPr lang="zh-CN" altLang="en-US" sz="900" dirty="0" smtClean="0">
+                <a:latin typeface="微软雅黑" panose="020B0503020204020204" pitchFamily="34" charset="-122"/>
+                <a:ea typeface="微软雅黑" panose="020B0503020204020204" pitchFamily="34" charset="-122"/>
+              </a:rPr>
+              <a:t>术</a:t>
+            </a:r>
+            <a:endParaRPr lang="en-US" altLang="zh-CN" sz="900" dirty="0" smtClean="0">
+              <a:latin typeface="微软雅黑" panose="020B0503020204020204" pitchFamily="34" charset="-122"/>
+              <a:ea typeface="微软雅黑" panose="020B0503020204020204" pitchFamily="34" charset="-122"/>
+            </a:endParaRPr>
+          </a:p>
+          <a:p>
+            <a:pPr>
+              <a:lnSpc>
+                <a:spcPts val="1500"/>
+              </a:lnSpc>
+            </a:pPr>
+            <a:r>
+              <a:rPr lang="zh-CN" altLang="en-US" sz="900" dirty="0" smtClean="0">
+                <a:latin typeface="微软雅黑" panose="020B0503020204020204" pitchFamily="34" charset="-122"/>
+                <a:ea typeface="微软雅黑" panose="020B0503020204020204" pitchFamily="34" charset="-122"/>
+              </a:rPr>
+              <a:t>  </a:t>
             </a:r>
             <a:endParaRPr lang="en-US" altLang="zh-CN" sz="900" dirty="0" smtClean="0">
               <a:latin typeface="微软雅黑" panose="020B0503020204020204" pitchFamily="34" charset="-122"/>
@@ -4663,11 +4688,11 @@
               </a:lnSpc>
             </a:pPr>
             <a:r>
-              <a:rPr lang="en-US" altLang="zh-CN" sz="900" dirty="0" err="1" smtClean="0">
-                <a:latin typeface="微软雅黑" panose="020B0503020204020204" pitchFamily="34" charset="-122"/>
-                <a:ea typeface="微软雅黑" panose="020B0503020204020204" pitchFamily="34" charset="-122"/>
-              </a:rPr>
-              <a:t>Github</a:t>
+              <a:rPr lang="en-US" altLang="zh-CN" sz="900" smtClean="0">
+                <a:latin typeface="微软雅黑" panose="020B0503020204020204" pitchFamily="34" charset="-122"/>
+                <a:ea typeface="微软雅黑" panose="020B0503020204020204" pitchFamily="34" charset="-122"/>
+              </a:rPr>
+              <a:t>   Github</a:t>
             </a:r>
             <a:r>
               <a:rPr lang="zh-CN" altLang="en-US" sz="900" dirty="0" smtClean="0">
@@ -5401,7 +5426,17 @@
                 <a:latin typeface="微软雅黑" panose="020B0503020204020204" pitchFamily="34" charset="-122"/>
                 <a:ea typeface="微软雅黑" panose="020B0503020204020204" pitchFamily="34" charset="-122"/>
               </a:rPr>
-              <a:t>2015 - 2017</a:t>
+              <a:t>2014 </a:t>
+            </a:r>
+            <a:r>
+              <a:rPr lang="en-US" altLang="zh-CN" sz="900" dirty="0" smtClean="0">
+                <a:solidFill>
+                  <a:prstClr val="black"/>
+                </a:solidFill>
+                <a:latin typeface="微软雅黑" panose="020B0503020204020204" pitchFamily="34" charset="-122"/>
+                <a:ea typeface="微软雅黑" panose="020B0503020204020204" pitchFamily="34" charset="-122"/>
+              </a:rPr>
+              <a:t>- 2017</a:t>
             </a:r>
             <a:endParaRPr lang="zh-CN" altLang="en-US" sz="1600" dirty="0"/>
           </a:p>
@@ -5436,7 +5471,27 @@
                 <a:latin typeface="微软雅黑" panose="020B0503020204020204" pitchFamily="34" charset="-122"/>
                 <a:ea typeface="微软雅黑" panose="020B0503020204020204" pitchFamily="34" charset="-122"/>
               </a:rPr>
-              <a:t>2011 - 2015</a:t>
+              <a:t>2010 </a:t>
+            </a:r>
+            <a:r>
+              <a:rPr lang="en-US" altLang="zh-CN" sz="900" dirty="0" smtClean="0">
+                <a:solidFill>
+                  <a:prstClr val="black"/>
+                </a:solidFill>
+                <a:latin typeface="微软雅黑" panose="020B0503020204020204" pitchFamily="34" charset="-122"/>
+                <a:ea typeface="微软雅黑" panose="020B0503020204020204" pitchFamily="34" charset="-122"/>
+              </a:rPr>
+              <a:t>- </a:t>
+            </a:r>
+            <a:r>
+              <a:rPr lang="en-US" altLang="zh-CN" sz="900" dirty="0" smtClean="0">
+                <a:solidFill>
+                  <a:prstClr val="black"/>
+                </a:solidFill>
+                <a:latin typeface="微软雅黑" panose="020B0503020204020204" pitchFamily="34" charset="-122"/>
+                <a:ea typeface="微软雅黑" panose="020B0503020204020204" pitchFamily="34" charset="-122"/>
+              </a:rPr>
+              <a:t>2014</a:t>
             </a:r>
             <a:endParaRPr lang="zh-CN" altLang="en-US" sz="1600" dirty="0"/>
           </a:p>
@@ -5961,15 +6016,7 @@
                   <a:ea typeface="微软雅黑" panose="020B0503020204020204" pitchFamily="34" charset="-122"/>
                   <a:hlinkClick r:id="rId5"/>
                 </a:rPr>
-                <a:t>http</a:t>
-              </a:r>
-              <a:r>
-                <a:rPr lang="en-US" altLang="zh-CN" sz="900" dirty="0" smtClean="0">
-                  <a:latin typeface="微软雅黑" panose="020B0503020204020204" pitchFamily="34" charset="-122"/>
-                  <a:ea typeface="微软雅黑" panose="020B0503020204020204" pitchFamily="34" charset="-122"/>
-                  <a:hlinkClick r:id="rId5"/>
-                </a:rPr>
-                <a:t>://loumingjie.cn/</a:t>
+                <a:t>http://loumingjie.cn/</a:t>
               </a:r>
               <a:r>
                 <a:rPr lang="en-US" altLang="zh-CN" sz="900" dirty="0" err="1" smtClean="0">
@@ -8147,7 +8194,7 @@
   <a:extraClrSchemeLst/>
   <a:extLst>
     <a:ext uri="{05A4C25C-085E-4340-85A3-A5531E510DB2}">
-      <thm15:themeFamily xmlns="" xmlns:thm15="http://schemas.microsoft.com/office/thememl/2012/main" name="Office Theme" id="{62F939B6-93AF-4DB8-9C6B-D6C7DFDC589F}" vid="{4A3C46E8-61CC-4603-A589-7422A47A8E4A}"/>
+      <thm15:themeFamily xmlns:thm15="http://schemas.microsoft.com/office/thememl/2012/main" xmlns="" name="Office Theme" id="{62F939B6-93AF-4DB8-9C6B-D6C7DFDC589F}" vid="{4A3C46E8-61CC-4603-A589-7422A47A8E4A}"/>
     </a:ext>
   </a:extLst>
 </a:theme>
@@ -8408,7 +8455,7 @@
   <a:extraClrSchemeLst/>
   <a:extLst>
     <a:ext uri="{05A4C25C-085E-4340-85A3-A5531E510DB2}">
-      <thm15:themeFamily xmlns="" xmlns:thm15="http://schemas.microsoft.com/office/thememl/2012/main" name="Office Theme" id="{62F939B6-93AF-4DB8-9C6B-D6C7DFDC589F}" vid="{4A3C46E8-61CC-4603-A589-7422A47A8E4A}"/>
+      <thm15:themeFamily xmlns:thm15="http://schemas.microsoft.com/office/thememl/2012/main" xmlns="" name="Office Theme" id="{62F939B6-93AF-4DB8-9C6B-D6C7DFDC589F}" vid="{4A3C46E8-61CC-4603-A589-7422A47A8E4A}"/>
     </a:ext>
   </a:extLst>
 </a:theme>

--- a/doc/resume.pptx
+++ b/doc/resume.pptx
@@ -1,14 +1,14 @@
 
 <file path=ppt/presentation.xml><?xml version="1.0" encoding="utf-8"?>
-<p:presentation xmlns:a="http://schemas.openxmlformats.org/drawingml/2006/main" xmlns:r="http://schemas.openxmlformats.org/officeDocument/2006/relationships" xmlns:p="http://schemas.openxmlformats.org/presentationml/2006/main" saveSubsetFonts="1">
+<p:presentation xmlns:a="http://schemas.openxmlformats.org/drawingml/2006/main" xmlns:r="http://schemas.openxmlformats.org/officeDocument/2006/relationships" xmlns:p="http://schemas.openxmlformats.org/presentationml/2006/main">
   <p:sldMasterIdLst>
-    <p:sldMasterId id="2147483660" r:id="rId1"/>
+    <p:sldMasterId id="2147483648" r:id="rId1"/>
   </p:sldMasterIdLst>
   <p:notesMasterIdLst>
-    <p:notesMasterId r:id="rId3"/>
+    <p:notesMasterId r:id="rId4"/>
   </p:notesMasterIdLst>
   <p:sldIdLst>
-    <p:sldId id="269" r:id="rId2"/>
+    <p:sldId id="269" r:id="rId3"/>
   </p:sldIdLst>
   <p:sldSz cx="6858000" cy="9906000" type="A4"/>
   <p:notesSz cx="6858000" cy="9144000"/>
@@ -107,22 +107,6 @@
       </a:defRPr>
     </a:lvl9pPr>
   </p:defaultTextStyle>
-  <p:extLst>
-    <p:ext uri="{EFAFB233-063F-42B5-8137-9DF3F51BA10A}">
-      <p15:sldGuideLst xmlns:p15="http://schemas.microsoft.com/office/powerpoint/2012/main" xmlns="">
-        <p15:guide id="1" orient="horz" pos="3120" userDrawn="1">
-          <p15:clr>
-            <a:srgbClr val="A4A3A4"/>
-          </p15:clr>
-        </p15:guide>
-        <p15:guide id="2" pos="187" userDrawn="1">
-          <p15:clr>
-            <a:srgbClr val="A4A3A4"/>
-          </p15:clr>
-        </p15:guide>
-      </p15:sldGuideLst>
-    </p:ext>
-  </p:extLst>
 </p:presentation>
 </file>
 
@@ -208,7 +192,6 @@
           <a:p>
             <a:fld id="{AEA2C9DF-D23B-4857-8F83-A94459C69053}" type="datetimeFigureOut">
               <a:rPr lang="zh-CN" altLang="en-US" smtClean="0"/>
-              <a:t>2017/7/13</a:t>
             </a:fld>
             <a:endParaRPr lang="zh-CN" altLang="en-US"/>
           </a:p>
@@ -275,6 +258,7 @@
               <a:rPr lang="zh-CN" altLang="en-US" smtClean="0"/>
               <a:t>单击此处编辑母版文本样式</a:t>
             </a:r>
+            <a:endParaRPr lang="zh-CN" altLang="en-US" smtClean="0"/>
           </a:p>
           <a:p>
             <a:pPr lvl="1"/>
@@ -282,6 +266,7 @@
               <a:rPr lang="zh-CN" altLang="en-US" smtClean="0"/>
               <a:t>第二级</a:t>
             </a:r>
+            <a:endParaRPr lang="zh-CN" altLang="en-US" smtClean="0"/>
           </a:p>
           <a:p>
             <a:pPr lvl="2"/>
@@ -289,6 +274,7 @@
               <a:rPr lang="zh-CN" altLang="en-US" smtClean="0"/>
               <a:t>第三级</a:t>
             </a:r>
+            <a:endParaRPr lang="zh-CN" altLang="en-US" smtClean="0"/>
           </a:p>
           <a:p>
             <a:pPr lvl="3"/>
@@ -296,6 +282,7 @@
               <a:rPr lang="zh-CN" altLang="en-US" smtClean="0"/>
               <a:t>第四级</a:t>
             </a:r>
+            <a:endParaRPr lang="zh-CN" altLang="en-US" smtClean="0"/>
           </a:p>
           <a:p>
             <a:pPr lvl="4"/>
@@ -367,18 +354,12 @@
           <a:p>
             <a:fld id="{6ADDF614-E52C-479C-ACD3-4F829B28B369}" type="slidenum">
               <a:rPr lang="zh-CN" altLang="en-US" smtClean="0"/>
-              <a:t>‹#›</a:t>
             </a:fld>
             <a:endParaRPr lang="zh-CN" altLang="en-US"/>
           </a:p>
         </p:txBody>
       </p:sp>
     </p:spTree>
-    <p:extLst>
-      <p:ext uri="{BB962C8B-B14F-4D97-AF65-F5344CB8AC3E}">
-        <p14:creationId xmlns:p14="http://schemas.microsoft.com/office/powerpoint/2010/main" val="3026261941"/>
-      </p:ext>
-    </p:extLst>
   </p:cSld>
   <p:clrMap bg1="lt1" tx1="dk1" bg2="lt2" tx2="dk2" accent1="accent1" accent2="accent2" accent3="accent3" accent4="accent4" accent5="accent5" accent6="accent6" hlink="hlink" folHlink="folHlink"/>
   <p:notesStyle>
@@ -541,18 +522,12 @@
           <a:p>
             <a:fld id="{6ADDF614-E52C-479C-ACD3-4F829B28B369}" type="slidenum">
               <a:rPr lang="zh-CN" altLang="en-US" smtClean="0"/>
-              <a:t>1</a:t>
             </a:fld>
             <a:endParaRPr lang="zh-CN" altLang="en-US"/>
           </a:p>
         </p:txBody>
       </p:sp>
     </p:spTree>
-    <p:extLst>
-      <p:ext uri="{BB962C8B-B14F-4D97-AF65-F5344CB8AC3E}">
-        <p14:creationId xmlns:p14="http://schemas.microsoft.com/office/powerpoint/2010/main" val="723556227"/>
-      </p:ext>
-    </p:extLst>
   </p:cSld>
   <p:clrMapOvr>
     <a:masterClrMapping/>
@@ -691,7 +666,6 @@
           <a:p>
             <a:fld id="{6A4926B6-441D-4BA1-AD68-6F10F35F7AC9}" type="datetimeFigureOut">
               <a:rPr lang="zh-CN" altLang="en-US" smtClean="0"/>
-              <a:t>2017/7/13</a:t>
             </a:fld>
             <a:endParaRPr lang="zh-CN" altLang="en-US"/>
           </a:p>
@@ -733,18 +707,12 @@
           <a:p>
             <a:fld id="{14DC8C72-958B-48E0-B6FC-451CF032C8E6}" type="slidenum">
               <a:rPr lang="zh-CN" altLang="en-US" smtClean="0"/>
-              <a:t>‹#›</a:t>
             </a:fld>
             <a:endParaRPr lang="zh-CN" altLang="en-US"/>
           </a:p>
         </p:txBody>
       </p:sp>
     </p:spTree>
-    <p:extLst>
-      <p:ext uri="{BB962C8B-B14F-4D97-AF65-F5344CB8AC3E}">
-        <p14:creationId xmlns:p14="http://schemas.microsoft.com/office/powerpoint/2010/main" val="1368091776"/>
-      </p:ext>
-    </p:extLst>
   </p:cSld>
   <p:clrMapOvr>
     <a:masterClrMapping/>
@@ -812,6 +780,7 @@
               <a:rPr lang="zh-CN" altLang="en-US" smtClean="0"/>
               <a:t>单击此处编辑母版文本样式</a:t>
             </a:r>
+            <a:endParaRPr lang="zh-CN" altLang="en-US" smtClean="0"/>
           </a:p>
           <a:p>
             <a:pPr lvl="1"/>
@@ -819,6 +788,7 @@
               <a:rPr lang="zh-CN" altLang="en-US" smtClean="0"/>
               <a:t>第二级</a:t>
             </a:r>
+            <a:endParaRPr lang="zh-CN" altLang="en-US" smtClean="0"/>
           </a:p>
           <a:p>
             <a:pPr lvl="2"/>
@@ -826,6 +796,7 @@
               <a:rPr lang="zh-CN" altLang="en-US" smtClean="0"/>
               <a:t>第三级</a:t>
             </a:r>
+            <a:endParaRPr lang="zh-CN" altLang="en-US" smtClean="0"/>
           </a:p>
           <a:p>
             <a:pPr lvl="3"/>
@@ -833,6 +804,7 @@
               <a:rPr lang="zh-CN" altLang="en-US" smtClean="0"/>
               <a:t>第四级</a:t>
             </a:r>
+            <a:endParaRPr lang="zh-CN" altLang="en-US" smtClean="0"/>
           </a:p>
           <a:p>
             <a:pPr lvl="4"/>
@@ -861,7 +833,6 @@
           <a:p>
             <a:fld id="{6A4926B6-441D-4BA1-AD68-6F10F35F7AC9}" type="datetimeFigureOut">
               <a:rPr lang="zh-CN" altLang="en-US" smtClean="0"/>
-              <a:t>2017/7/13</a:t>
             </a:fld>
             <a:endParaRPr lang="zh-CN" altLang="en-US"/>
           </a:p>
@@ -903,18 +874,12 @@
           <a:p>
             <a:fld id="{14DC8C72-958B-48E0-B6FC-451CF032C8E6}" type="slidenum">
               <a:rPr lang="zh-CN" altLang="en-US" smtClean="0"/>
-              <a:t>‹#›</a:t>
             </a:fld>
             <a:endParaRPr lang="zh-CN" altLang="en-US"/>
           </a:p>
         </p:txBody>
       </p:sp>
     </p:spTree>
-    <p:extLst>
-      <p:ext uri="{BB962C8B-B14F-4D97-AF65-F5344CB8AC3E}">
-        <p14:creationId xmlns:p14="http://schemas.microsoft.com/office/powerpoint/2010/main" val="3763256285"/>
-      </p:ext>
-    </p:extLst>
   </p:cSld>
   <p:clrMapOvr>
     <a:masterClrMapping/>
@@ -992,6 +957,7 @@
               <a:rPr lang="zh-CN" altLang="en-US" smtClean="0"/>
               <a:t>单击此处编辑母版文本样式</a:t>
             </a:r>
+            <a:endParaRPr lang="zh-CN" altLang="en-US" smtClean="0"/>
           </a:p>
           <a:p>
             <a:pPr lvl="1"/>
@@ -999,6 +965,7 @@
               <a:rPr lang="zh-CN" altLang="en-US" smtClean="0"/>
               <a:t>第二级</a:t>
             </a:r>
+            <a:endParaRPr lang="zh-CN" altLang="en-US" smtClean="0"/>
           </a:p>
           <a:p>
             <a:pPr lvl="2"/>
@@ -1006,6 +973,7 @@
               <a:rPr lang="zh-CN" altLang="en-US" smtClean="0"/>
               <a:t>第三级</a:t>
             </a:r>
+            <a:endParaRPr lang="zh-CN" altLang="en-US" smtClean="0"/>
           </a:p>
           <a:p>
             <a:pPr lvl="3"/>
@@ -1013,6 +981,7 @@
               <a:rPr lang="zh-CN" altLang="en-US" smtClean="0"/>
               <a:t>第四级</a:t>
             </a:r>
+            <a:endParaRPr lang="zh-CN" altLang="en-US" smtClean="0"/>
           </a:p>
           <a:p>
             <a:pPr lvl="4"/>
@@ -1041,7 +1010,6 @@
           <a:p>
             <a:fld id="{6A4926B6-441D-4BA1-AD68-6F10F35F7AC9}" type="datetimeFigureOut">
               <a:rPr lang="zh-CN" altLang="en-US" smtClean="0"/>
-              <a:t>2017/7/13</a:t>
             </a:fld>
             <a:endParaRPr lang="zh-CN" altLang="en-US"/>
           </a:p>
@@ -1083,18 +1051,12 @@
           <a:p>
             <a:fld id="{14DC8C72-958B-48E0-B6FC-451CF032C8E6}" type="slidenum">
               <a:rPr lang="zh-CN" altLang="en-US" smtClean="0"/>
-              <a:t>‹#›</a:t>
             </a:fld>
             <a:endParaRPr lang="zh-CN" altLang="en-US"/>
           </a:p>
         </p:txBody>
       </p:sp>
     </p:spTree>
-    <p:extLst>
-      <p:ext uri="{BB962C8B-B14F-4D97-AF65-F5344CB8AC3E}">
-        <p14:creationId xmlns:p14="http://schemas.microsoft.com/office/powerpoint/2010/main" val="1437464557"/>
-      </p:ext>
-    </p:extLst>
   </p:cSld>
   <p:clrMapOvr>
     <a:masterClrMapping/>
@@ -1162,6 +1124,7 @@
               <a:rPr lang="zh-CN" altLang="en-US" smtClean="0"/>
               <a:t>单击此处编辑母版文本样式</a:t>
             </a:r>
+            <a:endParaRPr lang="zh-CN" altLang="en-US" smtClean="0"/>
           </a:p>
           <a:p>
             <a:pPr lvl="1"/>
@@ -1169,6 +1132,7 @@
               <a:rPr lang="zh-CN" altLang="en-US" smtClean="0"/>
               <a:t>第二级</a:t>
             </a:r>
+            <a:endParaRPr lang="zh-CN" altLang="en-US" smtClean="0"/>
           </a:p>
           <a:p>
             <a:pPr lvl="2"/>
@@ -1176,6 +1140,7 @@
               <a:rPr lang="zh-CN" altLang="en-US" smtClean="0"/>
               <a:t>第三级</a:t>
             </a:r>
+            <a:endParaRPr lang="zh-CN" altLang="en-US" smtClean="0"/>
           </a:p>
           <a:p>
             <a:pPr lvl="3"/>
@@ -1183,6 +1148,7 @@
               <a:rPr lang="zh-CN" altLang="en-US" smtClean="0"/>
               <a:t>第四级</a:t>
             </a:r>
+            <a:endParaRPr lang="zh-CN" altLang="en-US" smtClean="0"/>
           </a:p>
           <a:p>
             <a:pPr lvl="4"/>
@@ -1211,7 +1177,6 @@
           <a:p>
             <a:fld id="{6A4926B6-441D-4BA1-AD68-6F10F35F7AC9}" type="datetimeFigureOut">
               <a:rPr lang="zh-CN" altLang="en-US" smtClean="0"/>
-              <a:t>2017/7/13</a:t>
             </a:fld>
             <a:endParaRPr lang="zh-CN" altLang="en-US"/>
           </a:p>
@@ -1253,18 +1218,12 @@
           <a:p>
             <a:fld id="{14DC8C72-958B-48E0-B6FC-451CF032C8E6}" type="slidenum">
               <a:rPr lang="zh-CN" altLang="en-US" smtClean="0"/>
-              <a:t>‹#›</a:t>
             </a:fld>
             <a:endParaRPr lang="zh-CN" altLang="en-US"/>
           </a:p>
         </p:txBody>
       </p:sp>
     </p:spTree>
-    <p:extLst>
-      <p:ext uri="{BB962C8B-B14F-4D97-AF65-F5344CB8AC3E}">
-        <p14:creationId xmlns:p14="http://schemas.microsoft.com/office/powerpoint/2010/main" val="2493529026"/>
-      </p:ext>
-    </p:extLst>
   </p:cSld>
   <p:clrMapOvr>
     <a:masterClrMapping/>
@@ -1435,6 +1394,7 @@
               <a:rPr lang="zh-CN" altLang="en-US" smtClean="0"/>
               <a:t>单击此处编辑母版文本样式</a:t>
             </a:r>
+            <a:endParaRPr lang="zh-CN" altLang="en-US" smtClean="0"/>
           </a:p>
         </p:txBody>
       </p:sp>
@@ -1455,7 +1415,6 @@
           <a:p>
             <a:fld id="{6A4926B6-441D-4BA1-AD68-6F10F35F7AC9}" type="datetimeFigureOut">
               <a:rPr lang="zh-CN" altLang="en-US" smtClean="0"/>
-              <a:t>2017/7/13</a:t>
             </a:fld>
             <a:endParaRPr lang="zh-CN" altLang="en-US"/>
           </a:p>
@@ -1497,18 +1456,12 @@
           <a:p>
             <a:fld id="{14DC8C72-958B-48E0-B6FC-451CF032C8E6}" type="slidenum">
               <a:rPr lang="zh-CN" altLang="en-US" smtClean="0"/>
-              <a:t>‹#›</a:t>
             </a:fld>
             <a:endParaRPr lang="zh-CN" altLang="en-US"/>
           </a:p>
         </p:txBody>
       </p:sp>
     </p:spTree>
-    <p:extLst>
-      <p:ext uri="{BB962C8B-B14F-4D97-AF65-F5344CB8AC3E}">
-        <p14:creationId xmlns:p14="http://schemas.microsoft.com/office/powerpoint/2010/main" val="2602864113"/>
-      </p:ext>
-    </p:extLst>
   </p:cSld>
   <p:clrMapOvr>
     <a:masterClrMapping/>
@@ -1581,6 +1534,7 @@
               <a:rPr lang="zh-CN" altLang="en-US" smtClean="0"/>
               <a:t>单击此处编辑母版文本样式</a:t>
             </a:r>
+            <a:endParaRPr lang="zh-CN" altLang="en-US" smtClean="0"/>
           </a:p>
           <a:p>
             <a:pPr lvl="1"/>
@@ -1588,6 +1542,7 @@
               <a:rPr lang="zh-CN" altLang="en-US" smtClean="0"/>
               <a:t>第二级</a:t>
             </a:r>
+            <a:endParaRPr lang="zh-CN" altLang="en-US" smtClean="0"/>
           </a:p>
           <a:p>
             <a:pPr lvl="2"/>
@@ -1595,6 +1550,7 @@
               <a:rPr lang="zh-CN" altLang="en-US" smtClean="0"/>
               <a:t>第三级</a:t>
             </a:r>
+            <a:endParaRPr lang="zh-CN" altLang="en-US" smtClean="0"/>
           </a:p>
           <a:p>
             <a:pPr lvl="3"/>
@@ -1602,6 +1558,7 @@
               <a:rPr lang="zh-CN" altLang="en-US" smtClean="0"/>
               <a:t>第四级</a:t>
             </a:r>
+            <a:endParaRPr lang="zh-CN" altLang="en-US" smtClean="0"/>
           </a:p>
           <a:p>
             <a:pPr lvl="4"/>
@@ -1638,6 +1595,7 @@
               <a:rPr lang="zh-CN" altLang="en-US" smtClean="0"/>
               <a:t>单击此处编辑母版文本样式</a:t>
             </a:r>
+            <a:endParaRPr lang="zh-CN" altLang="en-US" smtClean="0"/>
           </a:p>
           <a:p>
             <a:pPr lvl="1"/>
@@ -1645,6 +1603,7 @@
               <a:rPr lang="zh-CN" altLang="en-US" smtClean="0"/>
               <a:t>第二级</a:t>
             </a:r>
+            <a:endParaRPr lang="zh-CN" altLang="en-US" smtClean="0"/>
           </a:p>
           <a:p>
             <a:pPr lvl="2"/>
@@ -1652,6 +1611,7 @@
               <a:rPr lang="zh-CN" altLang="en-US" smtClean="0"/>
               <a:t>第三级</a:t>
             </a:r>
+            <a:endParaRPr lang="zh-CN" altLang="en-US" smtClean="0"/>
           </a:p>
           <a:p>
             <a:pPr lvl="3"/>
@@ -1659,6 +1619,7 @@
               <a:rPr lang="zh-CN" altLang="en-US" smtClean="0"/>
               <a:t>第四级</a:t>
             </a:r>
+            <a:endParaRPr lang="zh-CN" altLang="en-US" smtClean="0"/>
           </a:p>
           <a:p>
             <a:pPr lvl="4"/>
@@ -1687,7 +1648,6 @@
           <a:p>
             <a:fld id="{6A4926B6-441D-4BA1-AD68-6F10F35F7AC9}" type="datetimeFigureOut">
               <a:rPr lang="zh-CN" altLang="en-US" smtClean="0"/>
-              <a:t>2017/7/13</a:t>
             </a:fld>
             <a:endParaRPr lang="zh-CN" altLang="en-US"/>
           </a:p>
@@ -1729,18 +1689,12 @@
           <a:p>
             <a:fld id="{14DC8C72-958B-48E0-B6FC-451CF032C8E6}" type="slidenum">
               <a:rPr lang="zh-CN" altLang="en-US" smtClean="0"/>
-              <a:t>‹#›</a:t>
             </a:fld>
             <a:endParaRPr lang="zh-CN" altLang="en-US"/>
           </a:p>
         </p:txBody>
       </p:sp>
     </p:spTree>
-    <p:extLst>
-      <p:ext uri="{BB962C8B-B14F-4D97-AF65-F5344CB8AC3E}">
-        <p14:creationId xmlns:p14="http://schemas.microsoft.com/office/powerpoint/2010/main" val="297316970"/>
-      </p:ext>
-    </p:extLst>
   </p:cSld>
   <p:clrMapOvr>
     <a:masterClrMapping/>
@@ -1855,6 +1809,7 @@
               <a:rPr lang="zh-CN" altLang="en-US" smtClean="0"/>
               <a:t>单击此处编辑母版文本样式</a:t>
             </a:r>
+            <a:endParaRPr lang="zh-CN" altLang="en-US" smtClean="0"/>
           </a:p>
         </p:txBody>
       </p:sp>
@@ -1883,6 +1838,7 @@
               <a:rPr lang="zh-CN" altLang="en-US" smtClean="0"/>
               <a:t>单击此处编辑母版文本样式</a:t>
             </a:r>
+            <a:endParaRPr lang="zh-CN" altLang="en-US" smtClean="0"/>
           </a:p>
           <a:p>
             <a:pPr lvl="1"/>
@@ -1890,6 +1846,7 @@
               <a:rPr lang="zh-CN" altLang="en-US" smtClean="0"/>
               <a:t>第二级</a:t>
             </a:r>
+            <a:endParaRPr lang="zh-CN" altLang="en-US" smtClean="0"/>
           </a:p>
           <a:p>
             <a:pPr lvl="2"/>
@@ -1897,6 +1854,7 @@
               <a:rPr lang="zh-CN" altLang="en-US" smtClean="0"/>
               <a:t>第三级</a:t>
             </a:r>
+            <a:endParaRPr lang="zh-CN" altLang="en-US" smtClean="0"/>
           </a:p>
           <a:p>
             <a:pPr lvl="3"/>
@@ -1904,6 +1862,7 @@
               <a:rPr lang="zh-CN" altLang="en-US" smtClean="0"/>
               <a:t>第四级</a:t>
             </a:r>
+            <a:endParaRPr lang="zh-CN" altLang="en-US" smtClean="0"/>
           </a:p>
           <a:p>
             <a:pPr lvl="4"/>
@@ -1977,6 +1936,7 @@
               <a:rPr lang="zh-CN" altLang="en-US" smtClean="0"/>
               <a:t>单击此处编辑母版文本样式</a:t>
             </a:r>
+            <a:endParaRPr lang="zh-CN" altLang="en-US" smtClean="0"/>
           </a:p>
         </p:txBody>
       </p:sp>
@@ -2005,6 +1965,7 @@
               <a:rPr lang="zh-CN" altLang="en-US" smtClean="0"/>
               <a:t>单击此处编辑母版文本样式</a:t>
             </a:r>
+            <a:endParaRPr lang="zh-CN" altLang="en-US" smtClean="0"/>
           </a:p>
           <a:p>
             <a:pPr lvl="1"/>
@@ -2012,6 +1973,7 @@
               <a:rPr lang="zh-CN" altLang="en-US" smtClean="0"/>
               <a:t>第二级</a:t>
             </a:r>
+            <a:endParaRPr lang="zh-CN" altLang="en-US" smtClean="0"/>
           </a:p>
           <a:p>
             <a:pPr lvl="2"/>
@@ -2019,6 +1981,7 @@
               <a:rPr lang="zh-CN" altLang="en-US" smtClean="0"/>
               <a:t>第三级</a:t>
             </a:r>
+            <a:endParaRPr lang="zh-CN" altLang="en-US" smtClean="0"/>
           </a:p>
           <a:p>
             <a:pPr lvl="3"/>
@@ -2026,6 +1989,7 @@
               <a:rPr lang="zh-CN" altLang="en-US" smtClean="0"/>
               <a:t>第四级</a:t>
             </a:r>
+            <a:endParaRPr lang="zh-CN" altLang="en-US" smtClean="0"/>
           </a:p>
           <a:p>
             <a:pPr lvl="4"/>
@@ -2054,7 +2018,6 @@
           <a:p>
             <a:fld id="{6A4926B6-441D-4BA1-AD68-6F10F35F7AC9}" type="datetimeFigureOut">
               <a:rPr lang="zh-CN" altLang="en-US" smtClean="0"/>
-              <a:t>2017/7/13</a:t>
             </a:fld>
             <a:endParaRPr lang="zh-CN" altLang="en-US"/>
           </a:p>
@@ -2096,18 +2059,12 @@
           <a:p>
             <a:fld id="{14DC8C72-958B-48E0-B6FC-451CF032C8E6}" type="slidenum">
               <a:rPr lang="zh-CN" altLang="en-US" smtClean="0"/>
-              <a:t>‹#›</a:t>
             </a:fld>
             <a:endParaRPr lang="zh-CN" altLang="en-US"/>
           </a:p>
         </p:txBody>
       </p:sp>
     </p:spTree>
-    <p:extLst>
-      <p:ext uri="{BB962C8B-B14F-4D97-AF65-F5344CB8AC3E}">
-        <p14:creationId xmlns:p14="http://schemas.microsoft.com/office/powerpoint/2010/main" val="3246472344"/>
-      </p:ext>
-    </p:extLst>
   </p:cSld>
   <p:clrMapOvr>
     <a:masterClrMapping/>
@@ -2172,7 +2129,6 @@
           <a:p>
             <a:fld id="{6A4926B6-441D-4BA1-AD68-6F10F35F7AC9}" type="datetimeFigureOut">
               <a:rPr lang="zh-CN" altLang="en-US" smtClean="0"/>
-              <a:t>2017/7/13</a:t>
             </a:fld>
             <a:endParaRPr lang="zh-CN" altLang="en-US"/>
           </a:p>
@@ -2214,18 +2170,12 @@
           <a:p>
             <a:fld id="{14DC8C72-958B-48E0-B6FC-451CF032C8E6}" type="slidenum">
               <a:rPr lang="zh-CN" altLang="en-US" smtClean="0"/>
-              <a:t>‹#›</a:t>
             </a:fld>
             <a:endParaRPr lang="zh-CN" altLang="en-US"/>
           </a:p>
         </p:txBody>
       </p:sp>
     </p:spTree>
-    <p:extLst>
-      <p:ext uri="{BB962C8B-B14F-4D97-AF65-F5344CB8AC3E}">
-        <p14:creationId xmlns:p14="http://schemas.microsoft.com/office/powerpoint/2010/main" val="609764982"/>
-      </p:ext>
-    </p:extLst>
   </p:cSld>
   <p:clrMapOvr>
     <a:masterClrMapping/>
@@ -2267,7 +2217,6 @@
           <a:p>
             <a:fld id="{6A4926B6-441D-4BA1-AD68-6F10F35F7AC9}" type="datetimeFigureOut">
               <a:rPr lang="zh-CN" altLang="en-US" smtClean="0"/>
-              <a:t>2017/7/13</a:t>
             </a:fld>
             <a:endParaRPr lang="zh-CN" altLang="en-US"/>
           </a:p>
@@ -2309,18 +2258,12 @@
           <a:p>
             <a:fld id="{14DC8C72-958B-48E0-B6FC-451CF032C8E6}" type="slidenum">
               <a:rPr lang="zh-CN" altLang="en-US" smtClean="0"/>
-              <a:t>‹#›</a:t>
             </a:fld>
             <a:endParaRPr lang="zh-CN" altLang="en-US"/>
           </a:p>
         </p:txBody>
       </p:sp>
     </p:spTree>
-    <p:extLst>
-      <p:ext uri="{BB962C8B-B14F-4D97-AF65-F5344CB8AC3E}">
-        <p14:creationId xmlns:p14="http://schemas.microsoft.com/office/powerpoint/2010/main" val="183316300"/>
-      </p:ext>
-    </p:extLst>
   </p:cSld>
   <p:clrMapOvr>
     <a:masterClrMapping/>
@@ -2437,6 +2380,7 @@
               <a:rPr lang="zh-CN" altLang="en-US" smtClean="0"/>
               <a:t>单击此处编辑母版文本样式</a:t>
             </a:r>
+            <a:endParaRPr lang="zh-CN" altLang="en-US" smtClean="0"/>
           </a:p>
           <a:p>
             <a:pPr lvl="1"/>
@@ -2444,6 +2388,7 @@
               <a:rPr lang="zh-CN" altLang="en-US" smtClean="0"/>
               <a:t>第二级</a:t>
             </a:r>
+            <a:endParaRPr lang="zh-CN" altLang="en-US" smtClean="0"/>
           </a:p>
           <a:p>
             <a:pPr lvl="2"/>
@@ -2451,6 +2396,7 @@
               <a:rPr lang="zh-CN" altLang="en-US" smtClean="0"/>
               <a:t>第三级</a:t>
             </a:r>
+            <a:endParaRPr lang="zh-CN" altLang="en-US" smtClean="0"/>
           </a:p>
           <a:p>
             <a:pPr lvl="3"/>
@@ -2458,6 +2404,7 @@
               <a:rPr lang="zh-CN" altLang="en-US" smtClean="0"/>
               <a:t>第四级</a:t>
             </a:r>
+            <a:endParaRPr lang="zh-CN" altLang="en-US" smtClean="0"/>
           </a:p>
           <a:p>
             <a:pPr lvl="4"/>
@@ -2531,6 +2478,7 @@
               <a:rPr lang="zh-CN" altLang="en-US" smtClean="0"/>
               <a:t>单击此处编辑母版文本样式</a:t>
             </a:r>
+            <a:endParaRPr lang="zh-CN" altLang="en-US" smtClean="0"/>
           </a:p>
         </p:txBody>
       </p:sp>
@@ -2551,7 +2499,6 @@
           <a:p>
             <a:fld id="{6A4926B6-441D-4BA1-AD68-6F10F35F7AC9}" type="datetimeFigureOut">
               <a:rPr lang="zh-CN" altLang="en-US" smtClean="0"/>
-              <a:t>2017/7/13</a:t>
             </a:fld>
             <a:endParaRPr lang="zh-CN" altLang="en-US"/>
           </a:p>
@@ -2593,18 +2540,12 @@
           <a:p>
             <a:fld id="{14DC8C72-958B-48E0-B6FC-451CF032C8E6}" type="slidenum">
               <a:rPr lang="zh-CN" altLang="en-US" smtClean="0"/>
-              <a:t>‹#›</a:t>
             </a:fld>
             <a:endParaRPr lang="zh-CN" altLang="en-US"/>
           </a:p>
         </p:txBody>
       </p:sp>
     </p:spTree>
-    <p:extLst>
-      <p:ext uri="{BB962C8B-B14F-4D97-AF65-F5344CB8AC3E}">
-        <p14:creationId xmlns:p14="http://schemas.microsoft.com/office/powerpoint/2010/main" val="1567378857"/>
-      </p:ext>
-    </p:extLst>
   </p:cSld>
   <p:clrMapOvr>
     <a:masterClrMapping/>
@@ -2788,6 +2729,7 @@
               <a:rPr lang="zh-CN" altLang="en-US" smtClean="0"/>
               <a:t>单击此处编辑母版文本样式</a:t>
             </a:r>
+            <a:endParaRPr lang="zh-CN" altLang="en-US" smtClean="0"/>
           </a:p>
         </p:txBody>
       </p:sp>
@@ -2808,7 +2750,6 @@
           <a:p>
             <a:fld id="{6A4926B6-441D-4BA1-AD68-6F10F35F7AC9}" type="datetimeFigureOut">
               <a:rPr lang="zh-CN" altLang="en-US" smtClean="0"/>
-              <a:t>2017/7/13</a:t>
             </a:fld>
             <a:endParaRPr lang="zh-CN" altLang="en-US"/>
           </a:p>
@@ -2850,18 +2791,12 @@
           <a:p>
             <a:fld id="{14DC8C72-958B-48E0-B6FC-451CF032C8E6}" type="slidenum">
               <a:rPr lang="zh-CN" altLang="en-US" smtClean="0"/>
-              <a:t>‹#›</a:t>
             </a:fld>
             <a:endParaRPr lang="zh-CN" altLang="en-US"/>
           </a:p>
         </p:txBody>
       </p:sp>
     </p:spTree>
-    <p:extLst>
-      <p:ext uri="{BB962C8B-B14F-4D97-AF65-F5344CB8AC3E}">
-        <p14:creationId xmlns:p14="http://schemas.microsoft.com/office/powerpoint/2010/main" val="1830978589"/>
-      </p:ext>
-    </p:extLst>
   </p:cSld>
   <p:clrMapOvr>
     <a:masterClrMapping/>
@@ -2954,6 +2889,7 @@
               <a:rPr lang="zh-CN" altLang="en-US" smtClean="0"/>
               <a:t>单击此处编辑母版文本样式</a:t>
             </a:r>
+            <a:endParaRPr lang="zh-CN" altLang="en-US" smtClean="0"/>
           </a:p>
           <a:p>
             <a:pPr lvl="1"/>
@@ -2961,6 +2897,7 @@
               <a:rPr lang="zh-CN" altLang="en-US" smtClean="0"/>
               <a:t>第二级</a:t>
             </a:r>
+            <a:endParaRPr lang="zh-CN" altLang="en-US" smtClean="0"/>
           </a:p>
           <a:p>
             <a:pPr lvl="2"/>
@@ -2968,6 +2905,7 @@
               <a:rPr lang="zh-CN" altLang="en-US" smtClean="0"/>
               <a:t>第三级</a:t>
             </a:r>
+            <a:endParaRPr lang="zh-CN" altLang="en-US" smtClean="0"/>
           </a:p>
           <a:p>
             <a:pPr lvl="3"/>
@@ -2975,6 +2913,7 @@
               <a:rPr lang="zh-CN" altLang="en-US" smtClean="0"/>
               <a:t>第四级</a:t>
             </a:r>
+            <a:endParaRPr lang="zh-CN" altLang="en-US" smtClean="0"/>
           </a:p>
           <a:p>
             <a:pPr lvl="4"/>
@@ -3021,7 +2960,6 @@
           <a:p>
             <a:fld id="{6A4926B6-441D-4BA1-AD68-6F10F35F7AC9}" type="datetimeFigureOut">
               <a:rPr lang="zh-CN" altLang="en-US" smtClean="0"/>
-              <a:t>2017/7/13</a:t>
             </a:fld>
             <a:endParaRPr lang="zh-CN" altLang="en-US"/>
           </a:p>
@@ -3099,32 +3037,26 @@
           <a:p>
             <a:fld id="{14DC8C72-958B-48E0-B6FC-451CF032C8E6}" type="slidenum">
               <a:rPr lang="zh-CN" altLang="en-US" smtClean="0"/>
-              <a:t>‹#›</a:t>
             </a:fld>
             <a:endParaRPr lang="zh-CN" altLang="en-US"/>
           </a:p>
         </p:txBody>
       </p:sp>
     </p:spTree>
-    <p:extLst>
-      <p:ext uri="{BB962C8B-B14F-4D97-AF65-F5344CB8AC3E}">
-        <p14:creationId xmlns:p14="http://schemas.microsoft.com/office/powerpoint/2010/main" val="2940345321"/>
-      </p:ext>
-    </p:extLst>
   </p:cSld>
   <p:clrMap bg1="lt1" tx1="dk1" bg2="lt2" tx2="dk2" accent1="accent1" accent2="accent2" accent3="accent3" accent4="accent4" accent5="accent5" accent6="accent6" hlink="hlink" folHlink="folHlink"/>
   <p:sldLayoutIdLst>
-    <p:sldLayoutId id="2147483661" r:id="rId1"/>
-    <p:sldLayoutId id="2147483662" r:id="rId2"/>
-    <p:sldLayoutId id="2147483663" r:id="rId3"/>
-    <p:sldLayoutId id="2147483664" r:id="rId4"/>
-    <p:sldLayoutId id="2147483665" r:id="rId5"/>
-    <p:sldLayoutId id="2147483666" r:id="rId6"/>
-    <p:sldLayoutId id="2147483667" r:id="rId7"/>
-    <p:sldLayoutId id="2147483668" r:id="rId8"/>
-    <p:sldLayoutId id="2147483669" r:id="rId9"/>
-    <p:sldLayoutId id="2147483670" r:id="rId10"/>
-    <p:sldLayoutId id="2147483671" r:id="rId11"/>
+    <p:sldLayoutId id="2147483649" r:id="rId1"/>
+    <p:sldLayoutId id="2147483650" r:id="rId2"/>
+    <p:sldLayoutId id="2147483651" r:id="rId3"/>
+    <p:sldLayoutId id="2147483652" r:id="rId4"/>
+    <p:sldLayoutId id="2147483653" r:id="rId5"/>
+    <p:sldLayoutId id="2147483654" r:id="rId6"/>
+    <p:sldLayoutId id="2147483655" r:id="rId7"/>
+    <p:sldLayoutId id="2147483656" r:id="rId8"/>
+    <p:sldLayoutId id="2147483657" r:id="rId9"/>
+    <p:sldLayoutId id="2147483658" r:id="rId10"/>
+    <p:sldLayoutId id="2147483659" r:id="rId11"/>
   </p:sldLayoutIdLst>
   <p:txStyles>
     <p:titleStyle>
@@ -3497,14 +3429,7 @@
                 <a:latin typeface="微软雅黑" panose="020B0503020204020204" pitchFamily="34" charset="-122"/>
                 <a:ea typeface="微软雅黑" panose="020B0503020204020204" pitchFamily="34" charset="-122"/>
               </a:rPr>
-              <a:t>电子科学与技</a:t>
-            </a:r>
-            <a:r>
-              <a:rPr lang="zh-CN" altLang="en-US" sz="900" dirty="0" smtClean="0">
-                <a:latin typeface="微软雅黑" panose="020B0503020204020204" pitchFamily="34" charset="-122"/>
-                <a:ea typeface="微软雅黑" panose="020B0503020204020204" pitchFamily="34" charset="-122"/>
-              </a:rPr>
-              <a:t>术</a:t>
+              <a:t>电子科学与技术</a:t>
             </a:r>
             <a:endParaRPr lang="en-US" altLang="zh-CN" sz="900" dirty="0" smtClean="0">
               <a:latin typeface="微软雅黑" panose="020B0503020204020204" pitchFamily="34" charset="-122"/>
@@ -3961,6 +3886,13 @@
               </a:rPr>
               <a:t>jQuery</a:t>
             </a:r>
+            <a:endParaRPr lang="en-US" altLang="zh-CN" sz="900" b="1" dirty="0">
+              <a:solidFill>
+                <a:srgbClr val="6679DF"/>
+              </a:solidFill>
+              <a:latin typeface="微软雅黑" panose="020B0503020204020204" pitchFamily="34" charset="-122"/>
+              <a:ea typeface="微软雅黑" panose="020B0503020204020204" pitchFamily="34" charset="-122"/>
+            </a:endParaRPr>
           </a:p>
           <a:p>
             <a:pPr indent="-171450">
@@ -4004,6 +3936,13 @@
               </a:rPr>
               <a:t>Sass</a:t>
             </a:r>
+            <a:endParaRPr lang="en-US" altLang="zh-CN" sz="900" b="1" dirty="0">
+              <a:solidFill>
+                <a:srgbClr val="6679DF"/>
+              </a:solidFill>
+              <a:latin typeface="微软雅黑" panose="020B0503020204020204" pitchFamily="34" charset="-122"/>
+              <a:ea typeface="微软雅黑" panose="020B0503020204020204" pitchFamily="34" charset="-122"/>
+            </a:endParaRPr>
           </a:p>
           <a:p>
             <a:pPr indent="-171450">
@@ -4054,6 +3993,10 @@
               </a:rPr>
               <a:t>进行代码版本管理</a:t>
             </a:r>
+            <a:endParaRPr lang="zh-CN" altLang="en-US" sz="900" dirty="0">
+              <a:latin typeface="微软雅黑" panose="020B0503020204020204" pitchFamily="34" charset="-122"/>
+              <a:ea typeface="微软雅黑" panose="020B0503020204020204" pitchFamily="34" charset="-122"/>
+            </a:endParaRPr>
           </a:p>
           <a:p>
             <a:pPr indent="-171450">
@@ -4087,6 +4030,10 @@
               </a:rPr>
               <a:t>进行代码调试</a:t>
             </a:r>
+            <a:endParaRPr lang="zh-CN" altLang="en-US" sz="900" dirty="0">
+              <a:latin typeface="微软雅黑" panose="020B0503020204020204" pitchFamily="34" charset="-122"/>
+              <a:ea typeface="微软雅黑" panose="020B0503020204020204" pitchFamily="34" charset="-122"/>
+            </a:endParaRPr>
           </a:p>
           <a:p>
             <a:pPr indent="-171450">
@@ -4137,6 +4084,10 @@
               </a:rPr>
               <a:t>前端自动化、工程化工具</a:t>
             </a:r>
+            <a:endParaRPr lang="zh-CN" altLang="en-US" sz="900" dirty="0">
+              <a:latin typeface="微软雅黑" panose="020B0503020204020204" pitchFamily="34" charset="-122"/>
+              <a:ea typeface="微软雅黑" panose="020B0503020204020204" pitchFamily="34" charset="-122"/>
+            </a:endParaRPr>
           </a:p>
           <a:p>
             <a:pPr indent="-171450">
@@ -4464,6 +4415,10 @@
               </a:rPr>
               <a:t>)</a:t>
             </a:r>
+            <a:endParaRPr lang="en-US" altLang="zh-CN" sz="900" b="1" dirty="0">
+              <a:latin typeface="微软雅黑" panose="020B0503020204020204" pitchFamily="34" charset="-122"/>
+              <a:ea typeface="微软雅黑" panose="020B0503020204020204" pitchFamily="34" charset="-122"/>
+            </a:endParaRPr>
           </a:p>
           <a:p>
             <a:pPr marL="171450" indent="-171450">
@@ -4505,6 +4460,10 @@
               </a:rPr>
               <a:t>页面的维护和日常迭代开发。</a:t>
             </a:r>
+            <a:endParaRPr lang="zh-CN" altLang="en-US" sz="900" dirty="0">
+              <a:latin typeface="微软雅黑" panose="020B0503020204020204" pitchFamily="34" charset="-122"/>
+              <a:ea typeface="微软雅黑" panose="020B0503020204020204" pitchFamily="34" charset="-122"/>
+            </a:endParaRPr>
           </a:p>
           <a:p>
             <a:pPr>
@@ -4519,6 +4478,10 @@
               </a:rPr>
               <a:t>学习了项目从评审到开发到测试最后上线的整个过程。</a:t>
             </a:r>
+            <a:endParaRPr lang="zh-CN" altLang="en-US" sz="900" dirty="0">
+              <a:latin typeface="微软雅黑" panose="020B0503020204020204" pitchFamily="34" charset="-122"/>
+              <a:ea typeface="微软雅黑" panose="020B0503020204020204" pitchFamily="34" charset="-122"/>
+            </a:endParaRPr>
           </a:p>
           <a:p>
             <a:pPr>
@@ -4573,6 +4536,10 @@
               </a:rPr>
               <a:t>热爱前端。爱电影，爱动漫，爱旅行，爱炉石。</a:t>
             </a:r>
+            <a:endParaRPr lang="zh-CN" altLang="en-US" sz="900" dirty="0">
+              <a:latin typeface="微软雅黑" panose="020B0503020204020204" pitchFamily="34" charset="-122"/>
+              <a:ea typeface="微软雅黑" panose="020B0503020204020204" pitchFamily="34" charset="-122"/>
+            </a:endParaRPr>
           </a:p>
           <a:p>
             <a:pPr>
@@ -4587,6 +4554,10 @@
               </a:rPr>
               <a:t>具有责任心和团队意识，具有良好的沟通能力。</a:t>
             </a:r>
+            <a:endParaRPr lang="zh-CN" altLang="en-US" sz="900" dirty="0">
+              <a:latin typeface="微软雅黑" panose="020B0503020204020204" pitchFamily="34" charset="-122"/>
+              <a:ea typeface="微软雅黑" panose="020B0503020204020204" pitchFamily="34" charset="-122"/>
+            </a:endParaRPr>
           </a:p>
           <a:p>
             <a:pPr>
@@ -4680,6 +4651,10 @@
               </a:rPr>
               <a:t>546587684@qq.com</a:t>
             </a:r>
+            <a:endParaRPr lang="en-US" altLang="zh-CN" sz="900" u="sng" dirty="0" smtClean="0">
+              <a:latin typeface="微软雅黑" panose="020B0503020204020204" pitchFamily="34" charset="-122"/>
+              <a:ea typeface="微软雅黑" panose="020B0503020204020204" pitchFamily="34" charset="-122"/>
+            </a:endParaRPr>
           </a:p>
           <a:p>
             <a:pPr>
@@ -4705,7 +4680,7 @@
               <a:rPr lang="en-US" altLang="zh-CN" sz="900" dirty="0">
                 <a:latin typeface="微软雅黑" panose="020B0503020204020204" pitchFamily="34" charset="-122"/>
                 <a:ea typeface="微软雅黑" panose="020B0503020204020204" pitchFamily="34" charset="-122"/>
-                <a:hlinkClick r:id="rId3"/>
+                <a:hlinkClick r:id="rId1"/>
               </a:rPr>
               <a:t>https://</a:t>
             </a:r>
@@ -4713,7 +4688,7 @@
               <a:rPr lang="en-US" altLang="zh-CN" sz="900" u="sng" dirty="0" smtClean="0">
                 <a:latin typeface="微软雅黑" panose="020B0503020204020204" pitchFamily="34" charset="-122"/>
                 <a:ea typeface="微软雅黑" panose="020B0503020204020204" pitchFamily="34" charset="-122"/>
-                <a:hlinkClick r:id="rId3"/>
+                <a:hlinkClick r:id="rId1"/>
               </a:rPr>
               <a:t>github.com/loudou140806</a:t>
             </a:r>
@@ -5426,17 +5401,7 @@
                 <a:latin typeface="微软雅黑" panose="020B0503020204020204" pitchFamily="34" charset="-122"/>
                 <a:ea typeface="微软雅黑" panose="020B0503020204020204" pitchFamily="34" charset="-122"/>
               </a:rPr>
-              <a:t>2014 </a:t>
-            </a:r>
-            <a:r>
-              <a:rPr lang="en-US" altLang="zh-CN" sz="900" dirty="0" smtClean="0">
-                <a:solidFill>
-                  <a:prstClr val="black"/>
-                </a:solidFill>
-                <a:latin typeface="微软雅黑" panose="020B0503020204020204" pitchFamily="34" charset="-122"/>
-                <a:ea typeface="微软雅黑" panose="020B0503020204020204" pitchFamily="34" charset="-122"/>
-              </a:rPr>
-              <a:t>- 2017</a:t>
+              <a:t>2014 - 2017</a:t>
             </a:r>
             <a:endParaRPr lang="zh-CN" altLang="en-US" sz="1600" dirty="0"/>
           </a:p>
@@ -5471,27 +5436,7 @@
                 <a:latin typeface="微软雅黑" panose="020B0503020204020204" pitchFamily="34" charset="-122"/>
                 <a:ea typeface="微软雅黑" panose="020B0503020204020204" pitchFamily="34" charset="-122"/>
               </a:rPr>
-              <a:t>2010 </a:t>
-            </a:r>
-            <a:r>
-              <a:rPr lang="en-US" altLang="zh-CN" sz="900" dirty="0" smtClean="0">
-                <a:solidFill>
-                  <a:prstClr val="black"/>
-                </a:solidFill>
-                <a:latin typeface="微软雅黑" panose="020B0503020204020204" pitchFamily="34" charset="-122"/>
-                <a:ea typeface="微软雅黑" panose="020B0503020204020204" pitchFamily="34" charset="-122"/>
-              </a:rPr>
-              <a:t>- </a:t>
-            </a:r>
-            <a:r>
-              <a:rPr lang="en-US" altLang="zh-CN" sz="900" dirty="0" smtClean="0">
-                <a:solidFill>
-                  <a:prstClr val="black"/>
-                </a:solidFill>
-                <a:latin typeface="微软雅黑" panose="020B0503020204020204" pitchFamily="34" charset="-122"/>
-                <a:ea typeface="微软雅黑" panose="020B0503020204020204" pitchFamily="34" charset="-122"/>
-              </a:rPr>
-              <a:t>2014</a:t>
+              <a:t>2010 - 2014</a:t>
             </a:r>
             <a:endParaRPr lang="zh-CN" altLang="en-US" sz="1600" dirty="0"/>
           </a:p>
@@ -5530,7 +5475,7 @@
               <a:rPr lang="en-US" altLang="zh-CN" sz="800" dirty="0" smtClean="0">
                 <a:latin typeface="微软雅黑" panose="020B0503020204020204" pitchFamily="34" charset="-122"/>
                 <a:ea typeface="微软雅黑" panose="020B0503020204020204" pitchFamily="34" charset="-122"/>
-                <a:hlinkClick r:id="rId4"/>
+                <a:hlinkClick r:id="rId2"/>
               </a:rPr>
               <a:t>http://loumingjie.cn/resume2/</a:t>
             </a:r>
@@ -6014,7 +5959,7 @@
                 <a:rPr lang="en-US" altLang="zh-CN" sz="900" dirty="0" smtClean="0">
                   <a:latin typeface="微软雅黑" panose="020B0503020204020204" pitchFamily="34" charset="-122"/>
                   <a:ea typeface="微软雅黑" panose="020B0503020204020204" pitchFamily="34" charset="-122"/>
-                  <a:hlinkClick r:id="rId5"/>
+                  <a:hlinkClick r:id="rId3"/>
                 </a:rPr>
                 <a:t>http://loumingjie.cn/</a:t>
               </a:r>
@@ -6022,7 +5967,7 @@
                 <a:rPr lang="en-US" altLang="zh-CN" sz="900" dirty="0" err="1" smtClean="0">
                   <a:latin typeface="微软雅黑" panose="020B0503020204020204" pitchFamily="34" charset="-122"/>
                   <a:ea typeface="微软雅黑" panose="020B0503020204020204" pitchFamily="34" charset="-122"/>
-                  <a:hlinkClick r:id="rId5"/>
+                  <a:hlinkClick r:id="rId3"/>
                 </a:rPr>
                 <a:t>cnode</a:t>
               </a:r>
@@ -6387,8 +6332,8 @@
         </p:nvSpPr>
         <p:spPr>
           <a:xfrm>
-            <a:off x="462480" y="6476526"/>
-            <a:ext cx="3170324" cy="1246495"/>
+            <a:off x="462280" y="6476365"/>
+            <a:ext cx="3166110" cy="1052830"/>
           </a:xfrm>
           <a:prstGeom prst="rect">
             <a:avLst/>
@@ -6510,50 +6455,12 @@
                 <a:latin typeface="微软雅黑" panose="020B0503020204020204" pitchFamily="34" charset="-122"/>
                 <a:ea typeface="微软雅黑" panose="020B0503020204020204" pitchFamily="34" charset="-122"/>
               </a:rPr>
-              <a:t>操作使</a:t>
-            </a:r>
-            <a:r>
-              <a:rPr lang="zh-CN" altLang="en-US" sz="900" dirty="0" smtClean="0">
-                <a:latin typeface="微软雅黑" panose="020B0503020204020204" pitchFamily="34" charset="-122"/>
-                <a:ea typeface="微软雅黑" panose="020B0503020204020204" pitchFamily="34" charset="-122"/>
-              </a:rPr>
-              <a:t>用 </a:t>
-            </a:r>
-            <a:r>
-              <a:rPr lang="en-US" altLang="zh-CN" sz="900" dirty="0" smtClean="0">
-                <a:latin typeface="微软雅黑" panose="020B0503020204020204" pitchFamily="34" charset="-122"/>
-                <a:ea typeface="微软雅黑" panose="020B0503020204020204" pitchFamily="34" charset="-122"/>
-              </a:rPr>
-              <a:t>Express </a:t>
-            </a:r>
-            <a:r>
-              <a:rPr lang="zh-CN" altLang="en-US" sz="900" dirty="0" smtClean="0">
-                <a:latin typeface="微软雅黑" panose="020B0503020204020204" pitchFamily="34" charset="-122"/>
-                <a:ea typeface="微软雅黑" panose="020B0503020204020204" pitchFamily="34" charset="-122"/>
-              </a:rPr>
-              <a:t>和 </a:t>
-            </a:r>
-            <a:r>
-              <a:rPr lang="en-US" altLang="zh-CN" sz="900" dirty="0" smtClean="0">
-                <a:latin typeface="微软雅黑" panose="020B0503020204020204" pitchFamily="34" charset="-122"/>
-                <a:ea typeface="微软雅黑" panose="020B0503020204020204" pitchFamily="34" charset="-122"/>
-              </a:rPr>
-              <a:t>Mongoose</a:t>
-            </a:r>
-            <a:r>
-              <a:rPr lang="zh-CN" altLang="en-US" sz="900" dirty="0" smtClean="0">
-                <a:latin typeface="微软雅黑" panose="020B0503020204020204" pitchFamily="34" charset="-122"/>
-                <a:ea typeface="微软雅黑" panose="020B0503020204020204" pitchFamily="34" charset="-122"/>
-              </a:rPr>
-              <a:t>，完成</a:t>
-            </a:r>
-            <a:r>
-              <a:rPr lang="en-US" altLang="zh-CN" sz="900" dirty="0" smtClean="0">
-                <a:latin typeface="微软雅黑" panose="020B0503020204020204" pitchFamily="34" charset="-122"/>
-                <a:ea typeface="微软雅黑" panose="020B0503020204020204" pitchFamily="34" charset="-122"/>
-              </a:rPr>
-              <a:t>XXX</a:t>
-            </a:r>
+              <a:t>操作</a:t>
+            </a:r>
+            <a:endParaRPr lang="zh-CN" altLang="en-US" sz="900" dirty="0">
+              <a:latin typeface="微软雅黑" panose="020B0503020204020204" pitchFamily="34" charset="-122"/>
+              <a:ea typeface="微软雅黑" panose="020B0503020204020204" pitchFamily="34" charset="-122"/>
+            </a:endParaRPr>
           </a:p>
           <a:p>
             <a:pPr marL="171450" lvl="0" indent="-171450">
@@ -6582,7 +6489,14 @@
                 <a:latin typeface="微软雅黑" panose="020B0503020204020204" pitchFamily="34" charset="-122"/>
                 <a:ea typeface="微软雅黑" panose="020B0503020204020204" pitchFamily="34" charset="-122"/>
               </a:rPr>
-              <a:t>，运用</a:t>
+              <a:t>，</a:t>
+            </a:r>
+            <a:r>
+              <a:rPr lang="zh-CN" altLang="en-US" sz="900" dirty="0">
+                <a:latin typeface="微软雅黑" panose="020B0503020204020204" pitchFamily="34" charset="-122"/>
+                <a:ea typeface="微软雅黑" panose="020B0503020204020204" pitchFamily="34" charset="-122"/>
+              </a:rPr>
+              <a:t>运用</a:t>
             </a:r>
             <a:r>
               <a:rPr lang="en-US" altLang="zh-CN" sz="900" dirty="0">
@@ -6640,18 +6554,18 @@
               <a:t>进行文件代理以及</a:t>
             </a:r>
             <a:r>
-              <a:rPr lang="en-US" altLang="zh-CN" sz="900" dirty="0" err="1">
-                <a:latin typeface="微软雅黑" panose="020B0503020204020204" pitchFamily="34" charset="-122"/>
-                <a:ea typeface="微软雅黑" panose="020B0503020204020204" pitchFamily="34" charset="-122"/>
-              </a:rPr>
-              <a:t>api</a:t>
+              <a:rPr lang="en-US" altLang="zh-CN" sz="900" dirty="0">
+                <a:latin typeface="微软雅黑" panose="020B0503020204020204" pitchFamily="34" charset="-122"/>
+                <a:ea typeface="微软雅黑" panose="020B0503020204020204" pitchFamily="34" charset="-122"/>
+              </a:rPr>
+              <a:t>ajax</a:t>
             </a:r>
             <a:r>
               <a:rPr lang="zh-CN" altLang="en-US" sz="900" dirty="0">
                 <a:latin typeface="微软雅黑" panose="020B0503020204020204" pitchFamily="34" charset="-122"/>
                 <a:ea typeface="微软雅黑" panose="020B0503020204020204" pitchFamily="34" charset="-122"/>
               </a:rPr>
-              <a:t>的请求转</a:t>
+              <a:t>请求转</a:t>
             </a:r>
             <a:r>
               <a:rPr lang="zh-CN" altLang="en-US" sz="900" dirty="0" smtClean="0">
@@ -6914,7 +6828,7 @@
           <p:spPr>
             <a:xfrm>
               <a:off x="418451" y="7819857"/>
-              <a:ext cx="1096775" cy="271869"/>
+              <a:ext cx="526237" cy="270510"/>
             </a:xfrm>
             <a:prstGeom prst="rect">
               <a:avLst/>
@@ -6936,21 +6850,7 @@
                   <a:latin typeface="微软雅黑" panose="020B0503020204020204" pitchFamily="34" charset="-122"/>
                   <a:ea typeface="微软雅黑" panose="020B0503020204020204" pitchFamily="34" charset="-122"/>
                 </a:rPr>
-                <a:t>2014.7 </a:t>
-              </a:r>
-              <a:r>
-                <a:rPr lang="en-US" altLang="zh-CN" sz="900" dirty="0">
-                  <a:latin typeface="微软雅黑" panose="020B0503020204020204" pitchFamily="34" charset="-122"/>
-                  <a:ea typeface="微软雅黑" panose="020B0503020204020204" pitchFamily="34" charset="-122"/>
-                </a:rPr>
-                <a:t>- </a:t>
-              </a:r>
-              <a:r>
-                <a:rPr lang="en-US" altLang="zh-CN" sz="900" dirty="0" smtClean="0">
-                  <a:latin typeface="微软雅黑" panose="020B0503020204020204" pitchFamily="34" charset="-122"/>
-                  <a:ea typeface="微软雅黑" panose="020B0503020204020204" pitchFamily="34" charset="-122"/>
-                </a:rPr>
-                <a:t>2014.10</a:t>
+                <a:t>2016.4 </a:t>
               </a:r>
               <a:endParaRPr lang="en-US" altLang="zh-CN" sz="900" dirty="0">
                 <a:latin typeface="微软雅黑" panose="020B0503020204020204" pitchFamily="34" charset="-122"/>
@@ -7007,8 +6907,8 @@
           </p:nvSpPr>
           <p:spPr>
             <a:xfrm>
-              <a:off x="518982" y="8347355"/>
-              <a:ext cx="474086" cy="203200"/>
+              <a:off x="519208" y="8347542"/>
+              <a:ext cx="504359" cy="203200"/>
             </a:xfrm>
             <a:prstGeom prst="rect">
               <a:avLst/>
@@ -7049,7 +6949,7 @@
                   <a:latin typeface="微软雅黑" panose="020B0503020204020204" pitchFamily="34" charset="-122"/>
                   <a:ea typeface="微软雅黑" panose="020B0503020204020204" pitchFamily="34" charset="-122"/>
                 </a:rPr>
-                <a:t>D3.js</a:t>
+                <a:t>jquery</a:t>
               </a:r>
               <a:endParaRPr lang="zh-CN" altLang="en-US" dirty="0">
                 <a:solidFill>
@@ -7281,10 +7181,10 @@
           </p:nvGrpSpPr>
           <p:grpSpPr>
             <a:xfrm>
-              <a:off x="1448670" y="7853394"/>
-              <a:ext cx="677320" cy="215444"/>
-              <a:chOff x="1404917" y="3745442"/>
-              <a:chExt cx="677320" cy="215444"/>
+              <a:off x="883718" y="7853394"/>
+              <a:ext cx="749683" cy="215444"/>
+              <a:chOff x="839965" y="3745442"/>
+              <a:chExt cx="749683" cy="215444"/>
             </a:xfrm>
           </p:grpSpPr>
           <p:sp>
@@ -7295,7 +7195,7 @@
             </p:nvSpPr>
             <p:spPr>
               <a:xfrm>
-                <a:off x="1441050" y="3784954"/>
+                <a:off x="839965" y="3782414"/>
                 <a:ext cx="641187" cy="140176"/>
               </a:xfrm>
               <a:prstGeom prst="roundRect">
@@ -7392,8 +7292,8 @@
           </p:nvSpPr>
           <p:spPr>
             <a:xfrm>
-              <a:off x="1681247" y="8347355"/>
-              <a:ext cx="619690" cy="203200"/>
+              <a:off x="1681075" y="8347542"/>
+              <a:ext cx="427208" cy="203200"/>
             </a:xfrm>
             <a:prstGeom prst="rect">
               <a:avLst/>
@@ -7434,67 +7334,7 @@
                   <a:latin typeface="微软雅黑" panose="020B0503020204020204" pitchFamily="34" charset="-122"/>
                   <a:ea typeface="微软雅黑" panose="020B0503020204020204" pitchFamily="34" charset="-122"/>
                 </a:rPr>
-                <a:t>Node.js</a:t>
-              </a:r>
-              <a:endParaRPr lang="zh-CN" altLang="en-US" dirty="0">
-                <a:solidFill>
-                  <a:prstClr val="black"/>
-                </a:solidFill>
-              </a:endParaRPr>
-            </a:p>
-          </p:txBody>
-        </p:sp>
-        <p:sp>
-          <p:nvSpPr>
-            <p:cNvPr id="95" name="矩形 94"/>
-            <p:cNvSpPr/>
-            <p:nvPr/>
-          </p:nvSpPr>
-          <p:spPr>
-            <a:xfrm>
-              <a:off x="2343529" y="8347355"/>
-              <a:ext cx="742024" cy="203200"/>
-            </a:xfrm>
-            <a:prstGeom prst="rect">
-              <a:avLst/>
-            </a:prstGeom>
-            <a:solidFill>
-              <a:srgbClr val="6679DF"/>
-            </a:solidFill>
-            <a:ln w="6350">
-              <a:noFill/>
-            </a:ln>
-          </p:spPr>
-          <p:style>
-            <a:lnRef idx="2">
-              <a:schemeClr val="accent1">
-                <a:shade val="50000"/>
-              </a:schemeClr>
-            </a:lnRef>
-            <a:fillRef idx="1">
-              <a:schemeClr val="accent1"/>
-            </a:fillRef>
-            <a:effectRef idx="0">
-              <a:schemeClr val="accent1"/>
-            </a:effectRef>
-            <a:fontRef idx="minor">
-              <a:schemeClr val="lt1"/>
-            </a:fontRef>
-          </p:style>
-          <p:txBody>
-            <a:bodyPr rtlCol="0" anchor="ctr"/>
-            <a:lstStyle/>
-            <a:p>
-              <a:pPr lvl="0"/>
-              <a:r>
-                <a:rPr lang="en-US" altLang="zh-CN" sz="900" dirty="0" err="1" smtClean="0">
-                  <a:solidFill>
-                    <a:prstClr val="white"/>
-                  </a:solidFill>
-                  <a:latin typeface="微软雅黑" panose="020B0503020204020204" pitchFamily="34" charset="-122"/>
-                  <a:ea typeface="微软雅黑" panose="020B0503020204020204" pitchFamily="34" charset="-122"/>
-                </a:rPr>
-                <a:t>MongoDB</a:t>
+                <a:t>CSS3</a:t>
               </a:r>
               <a:endParaRPr lang="zh-CN" altLang="en-US" dirty="0">
                 <a:solidFill>
@@ -7512,7 +7352,7 @@
           </p:nvSpPr>
           <p:spPr>
             <a:xfrm>
-              <a:off x="1035661" y="8347355"/>
+              <a:off x="1051206" y="8347355"/>
               <a:ext cx="602993" cy="203200"/>
             </a:xfrm>
             <a:prstGeom prst="rect">
@@ -7554,12 +7394,14 @@
                   <a:latin typeface="微软雅黑" panose="020B0503020204020204" pitchFamily="34" charset="-122"/>
                   <a:ea typeface="微软雅黑" panose="020B0503020204020204" pitchFamily="34" charset="-122"/>
                 </a:rPr>
-                <a:t>Leaflet</a:t>
+                <a:t>fullPage</a:t>
               </a:r>
-              <a:endParaRPr lang="zh-CN" altLang="en-US" dirty="0">
+              <a:endParaRPr lang="en-US" altLang="zh-CN" sz="900" dirty="0" smtClean="0">
                 <a:solidFill>
-                  <a:prstClr val="black"/>
+                  <a:prstClr val="white"/>
                 </a:solidFill>
+                <a:latin typeface="微软雅黑" panose="020B0503020204020204" pitchFamily="34" charset="-122"/>
+                <a:ea typeface="微软雅黑" panose="020B0503020204020204" pitchFamily="34" charset="-122"/>
               </a:endParaRPr>
             </a:p>
           </p:txBody>
@@ -7920,11 +7762,6 @@
         </p:txBody>
       </p:sp>
     </p:spTree>
-    <p:extLst>
-      <p:ext uri="{BB962C8B-B14F-4D97-AF65-F5344CB8AC3E}">
-        <p14:creationId xmlns:p14="http://schemas.microsoft.com/office/powerpoint/2010/main" val="2113810994"/>
-      </p:ext>
-    </p:extLst>
   </p:cSld>
   <p:clrMapOvr>
     <a:masterClrMapping/>
@@ -7982,7 +7819,7 @@
     </a:clrScheme>
     <a:fontScheme name="Office 主题">
       <a:majorFont>
-        <a:latin typeface="Calibri Light" panose="020F0302020204030204"/>
+        <a:latin typeface="Calibri Light"/>
         <a:ea typeface=""/>
         <a:cs typeface=""/>
         <a:font script="Jpan" typeface="ＭＳ Ｐゴシック"/>
@@ -8017,7 +7854,7 @@
         <a:font script="Geor" typeface="Sylfaen"/>
       </a:majorFont>
       <a:minorFont>
-        <a:latin typeface="Calibri" panose="020F0502020204030204"/>
+        <a:latin typeface="Calibri"/>
         <a:ea typeface=""/>
         <a:cs typeface=""/>
         <a:font script="Jpan" typeface="ＭＳ Ｐゴシック"/>
@@ -8190,11 +8027,9 @@
       </a:bgFillStyleLst>
     </a:fmtScheme>
   </a:themeElements>
-  <a:objectDefaults/>
-  <a:extraClrSchemeLst/>
   <a:extLst>
     <a:ext uri="{05A4C25C-085E-4340-85A3-A5531E510DB2}">
-      <thm15:themeFamily xmlns:thm15="http://schemas.microsoft.com/office/thememl/2012/main" xmlns="" name="Office Theme" id="{62F939B6-93AF-4DB8-9C6B-D6C7DFDC589F}" vid="{4A3C46E8-61CC-4603-A589-7422A47A8E4A}"/>
+      <thm15:themeFamily xmlns:thm15="http://schemas.microsoft.com/office/thememl/2012/main" name="Office Theme" id="{62F939B6-93AF-4DB8-9C6B-D6C7DFDC589F}" vid="{4A3C46E8-61CC-4603-A589-7422A47A8E4A}"/>
     </a:ext>
   </a:extLst>
 </a:theme>
@@ -8243,7 +8078,7 @@
     </a:clrScheme>
     <a:fontScheme name="Office">
       <a:majorFont>
-        <a:latin typeface="Calibri Light" panose="020F0302020204030204"/>
+        <a:latin typeface="Calibri Light"/>
         <a:ea typeface=""/>
         <a:cs typeface=""/>
         <a:font script="Jpan" typeface="ＭＳ Ｐゴシック"/>
@@ -8278,7 +8113,7 @@
         <a:font script="Geor" typeface="Sylfaen"/>
       </a:majorFont>
       <a:minorFont>
-        <a:latin typeface="Calibri" panose="020F0502020204030204"/>
+        <a:latin typeface="Calibri"/>
         <a:ea typeface=""/>
         <a:cs typeface=""/>
         <a:font script="Jpan" typeface="ＭＳ Ｐゴシック"/>
@@ -8451,11 +8286,9 @@
       </a:bgFillStyleLst>
     </a:fmtScheme>
   </a:themeElements>
-  <a:objectDefaults/>
-  <a:extraClrSchemeLst/>
   <a:extLst>
     <a:ext uri="{05A4C25C-085E-4340-85A3-A5531E510DB2}">
-      <thm15:themeFamily xmlns:thm15="http://schemas.microsoft.com/office/thememl/2012/main" xmlns="" name="Office Theme" id="{62F939B6-93AF-4DB8-9C6B-D6C7DFDC589F}" vid="{4A3C46E8-61CC-4603-A589-7422A47A8E4A}"/>
+      <thm15:themeFamily xmlns:thm15="http://schemas.microsoft.com/office/thememl/2012/main" name="Office Theme" id="{62F939B6-93AF-4DB8-9C6B-D6C7DFDC589F}" vid="{4A3C46E8-61CC-4603-A589-7422A47A8E4A}"/>
     </a:ext>
   </a:extLst>
 </a:theme>

--- a/doc/resume.pptx
+++ b/doc/resume.pptx
@@ -3366,7 +3366,7 @@
         </p:nvSpPr>
         <p:spPr>
           <a:xfrm>
-            <a:off x="1084931" y="1866115"/>
+            <a:off x="1097631" y="1638150"/>
             <a:ext cx="2063082" cy="1054135"/>
           </a:xfrm>
           <a:prstGeom prst="rect">
@@ -3557,8 +3557,8 @@
         </p:nvSpPr>
         <p:spPr>
           <a:xfrm>
-            <a:off x="3556316" y="1669839"/>
-            <a:ext cx="2997159" cy="3300904"/>
+            <a:off x="3568700" y="1442085"/>
+            <a:ext cx="3045460" cy="3300095"/>
           </a:xfrm>
           <a:prstGeom prst="rect">
             <a:avLst/>
@@ -4348,7 +4348,7 @@
         </p:nvSpPr>
         <p:spPr>
           <a:xfrm>
-            <a:off x="3559156" y="5372219"/>
+            <a:off x="3594716" y="5852914"/>
             <a:ext cx="3136989" cy="1438855"/>
           </a:xfrm>
           <a:prstGeom prst="rect">
@@ -4511,8 +4511,8 @@
         </p:nvSpPr>
         <p:spPr>
           <a:xfrm>
-            <a:off x="3629242" y="7255509"/>
-            <a:ext cx="2997159" cy="861774"/>
+            <a:off x="3622675" y="8223885"/>
+            <a:ext cx="3107055" cy="860425"/>
           </a:xfrm>
           <a:prstGeom prst="rect">
             <a:avLst/>
@@ -4707,7 +4707,7 @@
         </p:nvSpPr>
         <p:spPr>
           <a:xfrm>
-            <a:off x="208866" y="1402463"/>
+            <a:off x="221566" y="1174498"/>
             <a:ext cx="800219" cy="276999"/>
           </a:xfrm>
           <a:prstGeom prst="rect">
@@ -4743,7 +4743,7 @@
         </p:nvCxnSpPr>
         <p:spPr>
           <a:xfrm>
-            <a:off x="289834" y="1673324"/>
+            <a:off x="302534" y="1445359"/>
             <a:ext cx="2941591" cy="0"/>
           </a:xfrm>
           <a:prstGeom prst="line">
@@ -4778,7 +4778,7 @@
         </p:nvSpPr>
         <p:spPr>
           <a:xfrm>
-            <a:off x="208865" y="3124507"/>
+            <a:off x="221565" y="2896542"/>
             <a:ext cx="800219" cy="276999"/>
           </a:xfrm>
           <a:prstGeom prst="rect">
@@ -4814,7 +4814,7 @@
         </p:nvCxnSpPr>
         <p:spPr>
           <a:xfrm>
-            <a:off x="289834" y="3400953"/>
+            <a:off x="302534" y="3172988"/>
             <a:ext cx="2941591" cy="0"/>
           </a:xfrm>
           <a:prstGeom prst="line">
@@ -4849,7 +4849,7 @@
         </p:nvCxnSpPr>
         <p:spPr>
           <a:xfrm flipV="1">
-            <a:off x="341678" y="3526250"/>
+            <a:off x="354378" y="3298285"/>
             <a:ext cx="0" cy="5794482"/>
           </a:xfrm>
           <a:prstGeom prst="straightConnector1">
@@ -4885,7 +4885,7 @@
         </p:nvSpPr>
         <p:spPr>
           <a:xfrm flipH="1">
-            <a:off x="299360" y="3942541"/>
+            <a:off x="312060" y="3714576"/>
             <a:ext cx="84636" cy="84636"/>
           </a:xfrm>
           <a:prstGeom prst="ellipse">
@@ -4933,7 +4933,7 @@
         </p:nvSpPr>
         <p:spPr>
           <a:xfrm flipH="1">
-            <a:off x="299360" y="5981367"/>
+            <a:off x="312060" y="5753402"/>
             <a:ext cx="84636" cy="84636"/>
           </a:xfrm>
           <a:prstGeom prst="ellipse">
@@ -4981,7 +4981,7 @@
         </p:nvSpPr>
         <p:spPr>
           <a:xfrm flipH="1">
-            <a:off x="299360" y="8054314"/>
+            <a:off x="312060" y="7826349"/>
             <a:ext cx="84636" cy="84636"/>
           </a:xfrm>
           <a:prstGeom prst="ellipse">
@@ -5029,7 +5029,7 @@
         </p:nvSpPr>
         <p:spPr>
           <a:xfrm>
-            <a:off x="3551836" y="4995309"/>
+            <a:off x="3587396" y="5476004"/>
             <a:ext cx="800219" cy="276999"/>
           </a:xfrm>
           <a:prstGeom prst="rect">
@@ -5065,7 +5065,7 @@
         </p:nvCxnSpPr>
         <p:spPr>
           <a:xfrm>
-            <a:off x="3586939" y="5272308"/>
+            <a:off x="3622499" y="5753003"/>
             <a:ext cx="2941591" cy="0"/>
           </a:xfrm>
           <a:prstGeom prst="line">
@@ -5100,7 +5100,7 @@
         </p:nvSpPr>
         <p:spPr>
           <a:xfrm>
-            <a:off x="3548996" y="1397644"/>
+            <a:off x="3561696" y="1169679"/>
             <a:ext cx="492443" cy="276999"/>
           </a:xfrm>
           <a:prstGeom prst="rect">
@@ -5136,7 +5136,7 @@
         </p:nvCxnSpPr>
         <p:spPr>
           <a:xfrm>
-            <a:off x="3629964" y="1673324"/>
+            <a:off x="3642664" y="1445359"/>
             <a:ext cx="2941591" cy="0"/>
           </a:xfrm>
           <a:prstGeom prst="line">
@@ -5171,7 +5171,7 @@
         </p:nvSpPr>
         <p:spPr>
           <a:xfrm>
-            <a:off x="3632804" y="6807164"/>
+            <a:off x="3626454" y="7775539"/>
             <a:ext cx="800219" cy="276999"/>
           </a:xfrm>
           <a:prstGeom prst="rect">
@@ -5214,7 +5214,7 @@
         </p:nvCxnSpPr>
         <p:spPr>
           <a:xfrm>
-            <a:off x="3684810" y="7100830"/>
+            <a:off x="3678460" y="8069205"/>
             <a:ext cx="2941591" cy="0"/>
           </a:xfrm>
           <a:prstGeom prst="line">
@@ -5249,7 +5249,7 @@
         </p:nvCxnSpPr>
         <p:spPr>
           <a:xfrm>
-            <a:off x="1043865" y="1812775"/>
+            <a:off x="1056565" y="1584810"/>
             <a:ext cx="0" cy="1052018"/>
           </a:xfrm>
           <a:prstGeom prst="line">
@@ -5284,7 +5284,7 @@
         </p:nvSpPr>
         <p:spPr>
           <a:xfrm flipH="1">
-            <a:off x="1001547" y="1962106"/>
+            <a:off x="1014247" y="1734141"/>
             <a:ext cx="84636" cy="84636"/>
           </a:xfrm>
           <a:prstGeom prst="ellipse">
@@ -5332,7 +5332,7 @@
         </p:nvSpPr>
         <p:spPr>
           <a:xfrm flipH="1">
-            <a:off x="1001547" y="2529927"/>
+            <a:off x="1014247" y="2301962"/>
             <a:ext cx="84636" cy="84636"/>
           </a:xfrm>
           <a:prstGeom prst="ellipse">
@@ -5380,7 +5380,7 @@
         </p:nvSpPr>
         <p:spPr>
           <a:xfrm>
-            <a:off x="204040" y="1895520"/>
+            <a:off x="216740" y="1667555"/>
             <a:ext cx="840295" cy="230832"/>
           </a:xfrm>
           <a:prstGeom prst="rect">
@@ -5415,7 +5415,7 @@
         </p:nvSpPr>
         <p:spPr>
           <a:xfrm>
-            <a:off x="215659" y="2464375"/>
+            <a:off x="228359" y="2236410"/>
             <a:ext cx="840295" cy="230832"/>
           </a:xfrm>
           <a:prstGeom prst="rect">
@@ -5536,7 +5536,7 @@
         </p:nvGrpSpPr>
         <p:grpSpPr>
           <a:xfrm>
-            <a:off x="386128" y="3572273"/>
+            <a:off x="398828" y="3344308"/>
             <a:ext cx="3170188" cy="2004563"/>
             <a:chOff x="416608" y="3709272"/>
             <a:chExt cx="3170188" cy="2004563"/>
@@ -6177,7 +6177,7 @@
         </p:nvSpPr>
         <p:spPr>
           <a:xfrm>
-            <a:off x="452864" y="5669429"/>
+            <a:off x="465564" y="5441464"/>
             <a:ext cx="1260281" cy="254429"/>
           </a:xfrm>
           <a:prstGeom prst="rect">
@@ -6224,7 +6224,7 @@
         </p:nvSpPr>
         <p:spPr>
           <a:xfrm>
-            <a:off x="424236" y="5870598"/>
+            <a:off x="436936" y="5642633"/>
             <a:ext cx="1947969" cy="306174"/>
           </a:xfrm>
           <a:prstGeom prst="rect">
@@ -6278,7 +6278,7 @@
         </p:nvSpPr>
         <p:spPr>
           <a:xfrm>
-            <a:off x="484526" y="6188527"/>
+            <a:off x="497226" y="5960562"/>
             <a:ext cx="474086" cy="203200"/>
           </a:xfrm>
           <a:prstGeom prst="rect">
@@ -6332,7 +6332,7 @@
         </p:nvSpPr>
         <p:spPr>
           <a:xfrm>
-            <a:off x="462280" y="6476365"/>
+            <a:off x="474980" y="6248400"/>
             <a:ext cx="3166110" cy="1052830"/>
           </a:xfrm>
           <a:prstGeom prst="rect">
@@ -6489,14 +6489,7 @@
                 <a:latin typeface="微软雅黑" panose="020B0503020204020204" pitchFamily="34" charset="-122"/>
                 <a:ea typeface="微软雅黑" panose="020B0503020204020204" pitchFamily="34" charset="-122"/>
               </a:rPr>
-              <a:t>，</a:t>
-            </a:r>
-            <a:r>
-              <a:rPr lang="zh-CN" altLang="en-US" sz="900" dirty="0">
-                <a:latin typeface="微软雅黑" panose="020B0503020204020204" pitchFamily="34" charset="-122"/>
-                <a:ea typeface="微软雅黑" panose="020B0503020204020204" pitchFamily="34" charset="-122"/>
-              </a:rPr>
-              <a:t>运用</a:t>
+              <a:t>，运用</a:t>
             </a:r>
             <a:r>
               <a:rPr lang="en-US" altLang="zh-CN" sz="900" dirty="0">
@@ -6651,7 +6644,7 @@
         </p:nvSpPr>
         <p:spPr>
           <a:xfrm>
-            <a:off x="1686466" y="6188527"/>
+            <a:off x="1699166" y="5960562"/>
             <a:ext cx="462345" cy="203200"/>
           </a:xfrm>
           <a:prstGeom prst="rect">
@@ -6705,7 +6698,7 @@
         </p:nvSpPr>
         <p:spPr>
           <a:xfrm>
-            <a:off x="2184655" y="6188527"/>
+            <a:off x="2197355" y="5960562"/>
             <a:ext cx="413411" cy="203200"/>
           </a:xfrm>
           <a:prstGeom prst="rect">
@@ -6759,7 +6752,7 @@
         </p:nvSpPr>
         <p:spPr>
           <a:xfrm>
-            <a:off x="1001205" y="6188527"/>
+            <a:off x="1013905" y="5960562"/>
             <a:ext cx="645586" cy="203200"/>
           </a:xfrm>
           <a:prstGeom prst="rect">
@@ -6813,7 +6806,7 @@
         </p:nvGrpSpPr>
         <p:grpSpPr>
           <a:xfrm>
-            <a:off x="387970" y="7739121"/>
+            <a:off x="349870" y="7493376"/>
             <a:ext cx="3161025" cy="2004563"/>
             <a:chOff x="418451" y="7819857"/>
             <a:chExt cx="2866088" cy="2004563"/>
@@ -7415,7 +7408,7 @@
         </p:nvSpPr>
         <p:spPr>
           <a:xfrm>
-            <a:off x="1785892" y="5735275"/>
+            <a:off x="1798592" y="5507310"/>
             <a:ext cx="641187" cy="140176"/>
           </a:xfrm>
           <a:prstGeom prst="roundRect">
@@ -7489,7 +7482,7 @@
         </p:nvSpPr>
         <p:spPr>
           <a:xfrm>
-            <a:off x="1465299" y="3638119"/>
+            <a:off x="1477999" y="3410154"/>
             <a:ext cx="641187" cy="140176"/>
           </a:xfrm>
           <a:prstGeom prst="roundRect">
@@ -7553,7 +7546,7 @@
         </p:nvSpPr>
         <p:spPr>
           <a:xfrm>
-            <a:off x="2647131" y="6182533"/>
+            <a:off x="2659831" y="5954568"/>
             <a:ext cx="413411" cy="203200"/>
           </a:xfrm>
           <a:prstGeom prst="rect">
@@ -7607,7 +7600,7 @@
         </p:nvSpPr>
         <p:spPr>
           <a:xfrm>
-            <a:off x="484526" y="4332733"/>
+            <a:off x="497226" y="4104768"/>
             <a:ext cx="617472" cy="203200"/>
           </a:xfrm>
           <a:prstGeom prst="rect">
@@ -7661,7 +7654,7 @@
         </p:nvSpPr>
         <p:spPr>
           <a:xfrm>
-            <a:off x="1139592" y="4332733"/>
+            <a:off x="1152292" y="4104768"/>
             <a:ext cx="384611" cy="203200"/>
           </a:xfrm>
           <a:prstGeom prst="rect">
@@ -7715,7 +7708,7 @@
         </p:nvSpPr>
         <p:spPr>
           <a:xfrm>
-            <a:off x="1553999" y="4332733"/>
+            <a:off x="1566699" y="4104768"/>
             <a:ext cx="363640" cy="203200"/>
           </a:xfrm>
           <a:prstGeom prst="rect">

--- a/doc/resume.pptx
+++ b/doc/resume.pptx
@@ -3366,7 +3366,7 @@
         </p:nvSpPr>
         <p:spPr>
           <a:xfrm>
-            <a:off x="1097631" y="1638150"/>
+            <a:off x="1097631" y="1523850"/>
             <a:ext cx="2063082" cy="1054135"/>
           </a:xfrm>
           <a:prstGeom prst="rect">
@@ -4348,8 +4348,8 @@
         </p:nvSpPr>
         <p:spPr>
           <a:xfrm>
-            <a:off x="3594716" y="5852914"/>
-            <a:ext cx="3136989" cy="1438855"/>
+            <a:off x="3576301" y="5370314"/>
+            <a:ext cx="3136989" cy="1437640"/>
           </a:xfrm>
           <a:prstGeom prst="rect">
             <a:avLst/>
@@ -4371,7 +4371,7 @@
                 <a:latin typeface="微软雅黑" panose="020B0503020204020204" pitchFamily="34" charset="-122"/>
                 <a:ea typeface="微软雅黑" panose="020B0503020204020204" pitchFamily="34" charset="-122"/>
               </a:rPr>
-              <a:t>2016.05 - 2016.09 </a:t>
+              <a:t>2016.05 - 2016.09   </a:t>
             </a:r>
             <a:r>
               <a:rPr lang="zh-CN" altLang="en-US" sz="900" b="1" dirty="0">
@@ -4380,55 +4380,7 @@
               </a:rPr>
               <a:t>杭州鲜趣闪购网络有限公司</a:t>
             </a:r>
-            <a:r>
-              <a:rPr lang="en-US" altLang="zh-CN" sz="900" b="1" dirty="0">
-                <a:latin typeface="微软雅黑" panose="020B0503020204020204" pitchFamily="34" charset="-122"/>
-                <a:ea typeface="微软雅黑" panose="020B0503020204020204" pitchFamily="34" charset="-122"/>
-              </a:rPr>
-              <a:t>(</a:t>
-            </a:r>
-            <a:r>
-              <a:rPr lang="zh-CN" altLang="en-US" sz="900" b="1" dirty="0">
-                <a:latin typeface="微软雅黑" panose="020B0503020204020204" pitchFamily="34" charset="-122"/>
-                <a:ea typeface="微软雅黑" panose="020B0503020204020204" pitchFamily="34" charset="-122"/>
-              </a:rPr>
-              <a:t>闪电购</a:t>
-            </a:r>
-            <a:r>
-              <a:rPr lang="en-US" altLang="zh-CN" sz="900" b="1" dirty="0">
-                <a:latin typeface="微软雅黑" panose="020B0503020204020204" pitchFamily="34" charset="-122"/>
-                <a:ea typeface="微软雅黑" panose="020B0503020204020204" pitchFamily="34" charset="-122"/>
-              </a:rPr>
-              <a:t>--</a:t>
-            </a:r>
-            <a:r>
-              <a:rPr lang="zh-CN" altLang="en-US" sz="900" b="1" dirty="0">
-                <a:latin typeface="微软雅黑" panose="020B0503020204020204" pitchFamily="34" charset="-122"/>
-                <a:ea typeface="微软雅黑" panose="020B0503020204020204" pitchFamily="34" charset="-122"/>
-              </a:rPr>
-              <a:t>淘宝便利店</a:t>
-            </a:r>
-            <a:r>
-              <a:rPr lang="en-US" altLang="zh-CN" sz="900" b="1" dirty="0">
-                <a:latin typeface="微软雅黑" panose="020B0503020204020204" pitchFamily="34" charset="-122"/>
-                <a:ea typeface="微软雅黑" panose="020B0503020204020204" pitchFamily="34" charset="-122"/>
-              </a:rPr>
-              <a:t>)</a:t>
-            </a:r>
-            <a:endParaRPr lang="en-US" altLang="zh-CN" sz="900" b="1" dirty="0">
-              <a:latin typeface="微软雅黑" panose="020B0503020204020204" pitchFamily="34" charset="-122"/>
-              <a:ea typeface="微软雅黑" panose="020B0503020204020204" pitchFamily="34" charset="-122"/>
-            </a:endParaRPr>
-          </a:p>
-          <a:p>
-            <a:pPr marL="171450" indent="-171450">
-              <a:lnSpc>
-                <a:spcPts val="1500"/>
-              </a:lnSpc>
-              <a:buFont typeface="Wingdings" panose="05000000000000000000" pitchFamily="2" charset="2"/>
-              <a:buChar char="ü"/>
-            </a:pPr>
-            <a:endParaRPr lang="en-US" altLang="zh-CN" sz="900" dirty="0">
+            <a:endParaRPr lang="zh-CN" altLang="en-US" sz="900" b="1" dirty="0">
               <a:latin typeface="微软雅黑" panose="020B0503020204020204" pitchFamily="34" charset="-122"/>
               <a:ea typeface="微软雅黑" panose="020B0503020204020204" pitchFamily="34" charset="-122"/>
             </a:endParaRPr>
@@ -4440,27 +4392,41 @@
               </a:lnSpc>
             </a:pPr>
             <a:r>
-              <a:rPr lang="zh-CN" altLang="en-US" sz="900" dirty="0">
-                <a:latin typeface="微软雅黑" panose="020B0503020204020204" pitchFamily="34" charset="-122"/>
-                <a:ea typeface="微软雅黑" panose="020B0503020204020204" pitchFamily="34" charset="-122"/>
-              </a:rPr>
-              <a:t>负责闪电帮和闪电汪</a:t>
-            </a:r>
-            <a:r>
-              <a:rPr lang="en-US" altLang="zh-CN" sz="900" dirty="0">
-                <a:latin typeface="微软雅黑" panose="020B0503020204020204" pitchFamily="34" charset="-122"/>
-                <a:ea typeface="微软雅黑" panose="020B0503020204020204" pitchFamily="34" charset="-122"/>
-              </a:rPr>
-              <a:t>APP H5</a:t>
-            </a:r>
-            <a:r>
-              <a:rPr lang="zh-CN" altLang="en-US" sz="900" dirty="0">
-                <a:latin typeface="微软雅黑" panose="020B0503020204020204" pitchFamily="34" charset="-122"/>
-                <a:ea typeface="微软雅黑" panose="020B0503020204020204" pitchFamily="34" charset="-122"/>
-              </a:rPr>
-              <a:t>页面的维护和日常迭代开发。</a:t>
-            </a:r>
-            <a:endParaRPr lang="zh-CN" altLang="en-US" sz="900" dirty="0">
+              <a:rPr lang="en-US" altLang="zh-CN" sz="900" b="1" dirty="0">
+                <a:latin typeface="微软雅黑" panose="020B0503020204020204" pitchFamily="34" charset="-122"/>
+                <a:ea typeface="微软雅黑" panose="020B0503020204020204" pitchFamily="34" charset="-122"/>
+              </a:rPr>
+              <a:t>                                (</a:t>
+            </a:r>
+            <a:r>
+              <a:rPr lang="zh-CN" altLang="en-US" sz="900" b="1" dirty="0">
+                <a:latin typeface="微软雅黑" panose="020B0503020204020204" pitchFamily="34" charset="-122"/>
+                <a:ea typeface="微软雅黑" panose="020B0503020204020204" pitchFamily="34" charset="-122"/>
+              </a:rPr>
+              <a:t>闪电购</a:t>
+            </a:r>
+            <a:r>
+              <a:rPr lang="en-US" altLang="zh-CN" sz="900" b="1" dirty="0">
+                <a:latin typeface="微软雅黑" panose="020B0503020204020204" pitchFamily="34" charset="-122"/>
+                <a:ea typeface="微软雅黑" panose="020B0503020204020204" pitchFamily="34" charset="-122"/>
+              </a:rPr>
+              <a:t>--</a:t>
+            </a:r>
+            <a:r>
+              <a:rPr lang="zh-CN" altLang="en-US" sz="900" b="1" dirty="0">
+                <a:latin typeface="微软雅黑" panose="020B0503020204020204" pitchFamily="34" charset="-122"/>
+                <a:ea typeface="微软雅黑" panose="020B0503020204020204" pitchFamily="34" charset="-122"/>
+              </a:rPr>
+              <a:t>淘宝便利店</a:t>
+            </a:r>
+            <a:r>
+              <a:rPr lang="en-US" altLang="zh-CN" sz="900" b="1" dirty="0">
+                <a:latin typeface="微软雅黑" panose="020B0503020204020204" pitchFamily="34" charset="-122"/>
+                <a:ea typeface="微软雅黑" panose="020B0503020204020204" pitchFamily="34" charset="-122"/>
+              </a:rPr>
+              <a:t>)</a:t>
+            </a:r>
+            <a:endParaRPr lang="en-US" altLang="zh-CN" sz="900" b="1" dirty="0">
               <a:latin typeface="微软雅黑" panose="020B0503020204020204" pitchFamily="34" charset="-122"/>
               <a:ea typeface="微软雅黑" panose="020B0503020204020204" pitchFamily="34" charset="-122"/>
             </a:endParaRPr>
@@ -4471,14 +4437,7 @@
                 <a:spcPts val="1500"/>
               </a:lnSpc>
             </a:pPr>
-            <a:r>
-              <a:rPr lang="zh-CN" altLang="en-US" sz="900" dirty="0">
-                <a:latin typeface="微软雅黑" panose="020B0503020204020204" pitchFamily="34" charset="-122"/>
-                <a:ea typeface="微软雅黑" panose="020B0503020204020204" pitchFamily="34" charset="-122"/>
-              </a:rPr>
-              <a:t>学习了项目从评审到开发到测试最后上线的整个过程。</a:t>
-            </a:r>
-            <a:endParaRPr lang="zh-CN" altLang="en-US" sz="900" dirty="0">
+            <a:endParaRPr lang="en-US" altLang="zh-CN" sz="800" dirty="0">
               <a:latin typeface="微软雅黑" panose="020B0503020204020204" pitchFamily="34" charset="-122"/>
               <a:ea typeface="微软雅黑" panose="020B0503020204020204" pitchFamily="34" charset="-122"/>
             </a:endParaRPr>
@@ -4494,6 +4453,56 @@
                 <a:latin typeface="微软雅黑" panose="020B0503020204020204" pitchFamily="34" charset="-122"/>
                 <a:ea typeface="微软雅黑" panose="020B0503020204020204" pitchFamily="34" charset="-122"/>
               </a:rPr>
+              <a:t>负责闪电帮和闪电汪</a:t>
+            </a:r>
+            <a:r>
+              <a:rPr lang="en-US" altLang="zh-CN" sz="900" dirty="0">
+                <a:latin typeface="微软雅黑" panose="020B0503020204020204" pitchFamily="34" charset="-122"/>
+                <a:ea typeface="微软雅黑" panose="020B0503020204020204" pitchFamily="34" charset="-122"/>
+              </a:rPr>
+              <a:t>APP H5</a:t>
+            </a:r>
+            <a:r>
+              <a:rPr lang="zh-CN" altLang="en-US" sz="900" dirty="0">
+                <a:latin typeface="微软雅黑" panose="020B0503020204020204" pitchFamily="34" charset="-122"/>
+                <a:ea typeface="微软雅黑" panose="020B0503020204020204" pitchFamily="34" charset="-122"/>
+              </a:rPr>
+              <a:t>页面的维护和日常迭代开发。</a:t>
+            </a:r>
+            <a:endParaRPr lang="zh-CN" altLang="en-US" sz="900" dirty="0">
+              <a:latin typeface="微软雅黑" panose="020B0503020204020204" pitchFamily="34" charset="-122"/>
+              <a:ea typeface="微软雅黑" panose="020B0503020204020204" pitchFamily="34" charset="-122"/>
+            </a:endParaRPr>
+          </a:p>
+          <a:p>
+            <a:pPr>
+              <a:lnSpc>
+                <a:spcPts val="1500"/>
+              </a:lnSpc>
+            </a:pPr>
+            <a:r>
+              <a:rPr lang="zh-CN" altLang="en-US" sz="900" dirty="0">
+                <a:latin typeface="微软雅黑" panose="020B0503020204020204" pitchFamily="34" charset="-122"/>
+                <a:ea typeface="微软雅黑" panose="020B0503020204020204" pitchFamily="34" charset="-122"/>
+              </a:rPr>
+              <a:t>学习了项目从评审到开发到测试最后上线的整个过程。</a:t>
+            </a:r>
+            <a:endParaRPr lang="zh-CN" altLang="en-US" sz="900" dirty="0">
+              <a:latin typeface="微软雅黑" panose="020B0503020204020204" pitchFamily="34" charset="-122"/>
+              <a:ea typeface="微软雅黑" panose="020B0503020204020204" pitchFamily="34" charset="-122"/>
+            </a:endParaRPr>
+          </a:p>
+          <a:p>
+            <a:pPr>
+              <a:lnSpc>
+                <a:spcPts val="1500"/>
+              </a:lnSpc>
+            </a:pPr>
+            <a:r>
+              <a:rPr lang="zh-CN" altLang="en-US" sz="900" dirty="0">
+                <a:latin typeface="微软雅黑" panose="020B0503020204020204" pitchFamily="34" charset="-122"/>
+                <a:ea typeface="微软雅黑" panose="020B0503020204020204" pitchFamily="34" charset="-122"/>
+              </a:rPr>
               <a:t>学习了怎样在开发过程中与后端约定接口、与测试、产品、设计人员更加有效合作以提高效率。</a:t>
             </a:r>
             <a:endParaRPr lang="en-US" altLang="zh-CN" sz="900" dirty="0">
@@ -4511,8 +4520,8 @@
         </p:nvSpPr>
         <p:spPr>
           <a:xfrm>
-            <a:off x="3622675" y="8223885"/>
-            <a:ext cx="3107055" cy="860425"/>
+            <a:off x="3622675" y="7652385"/>
+            <a:ext cx="3107055" cy="1052830"/>
           </a:xfrm>
           <a:prstGeom prst="rect">
             <a:avLst/>
@@ -4534,7 +4543,25 @@
                 <a:latin typeface="微软雅黑" panose="020B0503020204020204" pitchFamily="34" charset="-122"/>
                 <a:ea typeface="微软雅黑" panose="020B0503020204020204" pitchFamily="34" charset="-122"/>
               </a:rPr>
-              <a:t>热爱前端。爱电影，爱动漫，爱旅行，爱炉石。</a:t>
+              <a:t>热爱前端。</a:t>
+            </a:r>
+            <a:endParaRPr lang="zh-CN" altLang="en-US" sz="900" dirty="0">
+              <a:latin typeface="微软雅黑" panose="020B0503020204020204" pitchFamily="34" charset="-122"/>
+              <a:ea typeface="微软雅黑" panose="020B0503020204020204" pitchFamily="34" charset="-122"/>
+            </a:endParaRPr>
+          </a:p>
+          <a:p>
+            <a:pPr>
+              <a:lnSpc>
+                <a:spcPts val="1500"/>
+              </a:lnSpc>
+            </a:pPr>
+            <a:r>
+              <a:rPr lang="zh-CN" altLang="en-US" sz="900" dirty="0">
+                <a:latin typeface="微软雅黑" panose="020B0503020204020204" pitchFamily="34" charset="-122"/>
+                <a:ea typeface="微软雅黑" panose="020B0503020204020204" pitchFamily="34" charset="-122"/>
+              </a:rPr>
+              <a:t>爱电影，爱动漫，爱旅行，爱炉石。</a:t>
             </a:r>
             <a:endParaRPr lang="zh-CN" altLang="en-US" sz="900" dirty="0">
               <a:latin typeface="微软雅黑" panose="020B0503020204020204" pitchFamily="34" charset="-122"/>
@@ -5029,7 +5056,7 @@
         </p:nvSpPr>
         <p:spPr>
           <a:xfrm>
-            <a:off x="3587396" y="5476004"/>
+            <a:off x="3568981" y="4993404"/>
             <a:ext cx="800219" cy="276999"/>
           </a:xfrm>
           <a:prstGeom prst="rect">
@@ -5065,7 +5092,7 @@
         </p:nvCxnSpPr>
         <p:spPr>
           <a:xfrm>
-            <a:off x="3622499" y="5753003"/>
+            <a:off x="3604084" y="5270403"/>
             <a:ext cx="2941591" cy="0"/>
           </a:xfrm>
           <a:prstGeom prst="line">
@@ -5171,7 +5198,7 @@
         </p:nvSpPr>
         <p:spPr>
           <a:xfrm>
-            <a:off x="3626454" y="7775539"/>
+            <a:off x="3626454" y="7204039"/>
             <a:ext cx="800219" cy="276999"/>
           </a:xfrm>
           <a:prstGeom prst="rect">
@@ -5214,7 +5241,7 @@
         </p:nvCxnSpPr>
         <p:spPr>
           <a:xfrm>
-            <a:off x="3678460" y="8069205"/>
+            <a:off x="3678460" y="7497705"/>
             <a:ext cx="2941591" cy="0"/>
           </a:xfrm>
           <a:prstGeom prst="line">
@@ -5249,8 +5276,8 @@
         </p:nvCxnSpPr>
         <p:spPr>
           <a:xfrm>
-            <a:off x="1056565" y="1584810"/>
-            <a:ext cx="0" cy="1052018"/>
+            <a:off x="1056640" y="1584960"/>
+            <a:ext cx="3175" cy="980440"/>
           </a:xfrm>
           <a:prstGeom prst="line">
             <a:avLst/>
